--- a/Website powerpoint.pptx
+++ b/Website powerpoint.pptx
@@ -5,23 +5,20 @@
     <p:sldMasterId id="2147483660" r:id="rId1"/>
   </p:sldMasterIdLst>
   <p:notesMasterIdLst>
-    <p:notesMasterId r:id="rId16"/>
+    <p:notesMasterId r:id="rId13"/>
   </p:notesMasterIdLst>
   <p:sldIdLst>
     <p:sldId id="256" r:id="rId2"/>
-    <p:sldId id="257" r:id="rId3"/>
-    <p:sldId id="258" r:id="rId4"/>
-    <p:sldId id="259" r:id="rId5"/>
-    <p:sldId id="260" r:id="rId6"/>
-    <p:sldId id="263" r:id="rId7"/>
-    <p:sldId id="261" r:id="rId8"/>
-    <p:sldId id="262" r:id="rId9"/>
-    <p:sldId id="264" r:id="rId10"/>
-    <p:sldId id="265" r:id="rId11"/>
-    <p:sldId id="266" r:id="rId12"/>
-    <p:sldId id="267" r:id="rId13"/>
-    <p:sldId id="268" r:id="rId14"/>
-    <p:sldId id="269" r:id="rId15"/>
+    <p:sldId id="271" r:id="rId3"/>
+    <p:sldId id="270" r:id="rId4"/>
+    <p:sldId id="261" r:id="rId5"/>
+    <p:sldId id="262" r:id="rId6"/>
+    <p:sldId id="264" r:id="rId7"/>
+    <p:sldId id="265" r:id="rId8"/>
+    <p:sldId id="266" r:id="rId9"/>
+    <p:sldId id="267" r:id="rId10"/>
+    <p:sldId id="268" r:id="rId11"/>
+    <p:sldId id="269" r:id="rId12"/>
   </p:sldIdLst>
   <p:sldSz cx="12192000" cy="6858000"/>
   <p:notesSz cx="6858000" cy="9144000"/>
@@ -131,9 +128,410 @@
 <file path=ppt/revisionInfo.xml><?xml version="1.0" encoding="utf-8"?>
 <p1510:revInfo xmlns:a="http://schemas.openxmlformats.org/drawingml/2006/main" xmlns:r="http://schemas.openxmlformats.org/officeDocument/2006/relationships" xmlns:p1510="http://schemas.microsoft.com/office/powerpoint/2015/10/main">
   <p1510:revLst>
-    <p1510:client id="{AFFA2FAA-ADEF-4302-BB9F-3EF47D7E5DBB}" v="18" dt="2025-02-09T15:47:58.743"/>
+    <p1510:client id="{702FD82C-A1EF-4E5C-AFF4-C4FFA35478CE}" v="29" dt="2025-02-23T13:31:14.683"/>
   </p1510:revLst>
 </p1510:revInfo>
+</file>
+
+<file path=ppt/changesInfos/changesInfo1.xml><?xml version="1.0" encoding="utf-8"?>
+<pc:chgInfo xmlns:a="http://schemas.openxmlformats.org/drawingml/2006/main" xmlns:r="http://schemas.openxmlformats.org/officeDocument/2006/relationships" xmlns:ac="http://schemas.microsoft.com/office/drawing/2013/main/command" xmlns:pc="http://schemas.microsoft.com/office/powerpoint/2013/main/command">
+  <pc:docChgLst>
+    <pc:chgData name="Ria Herwadkar" userId="3b2a09cc-b2cd-4995-a77a-bb4681e06173" providerId="ADAL" clId="{702FD82C-A1EF-4E5C-AFF4-C4FFA35478CE}"/>
+    <pc:docChg chg="undo redo custSel addSld delSld modSld">
+      <pc:chgData name="Ria Herwadkar" userId="3b2a09cc-b2cd-4995-a77a-bb4681e06173" providerId="ADAL" clId="{702FD82C-A1EF-4E5C-AFF4-C4FFA35478CE}" dt="2025-02-23T15:08:21.442" v="5316" actId="1076"/>
+      <pc:docMkLst>
+        <pc:docMk/>
+      </pc:docMkLst>
+      <pc:sldChg chg="addSp delSp modSp mod modNotesTx">
+        <pc:chgData name="Ria Herwadkar" userId="3b2a09cc-b2cd-4995-a77a-bb4681e06173" providerId="ADAL" clId="{702FD82C-A1EF-4E5C-AFF4-C4FFA35478CE}" dt="2025-02-23T13:00:49.064" v="2181"/>
+        <pc:sldMkLst>
+          <pc:docMk/>
+          <pc:sldMk cId="109857222" sldId="256"/>
+        </pc:sldMkLst>
+        <pc:picChg chg="add del mod">
+          <ac:chgData name="Ria Herwadkar" userId="3b2a09cc-b2cd-4995-a77a-bb4681e06173" providerId="ADAL" clId="{702FD82C-A1EF-4E5C-AFF4-C4FFA35478CE}" dt="2025-02-23T13:00:40.695" v="2180" actId="478"/>
+          <ac:picMkLst>
+            <pc:docMk/>
+            <pc:sldMk cId="109857222" sldId="256"/>
+            <ac:picMk id="4" creationId="{53322C4B-BC59-C9AB-F9A0-B5C6BD4FCE71}"/>
+          </ac:picMkLst>
+        </pc:picChg>
+      </pc:sldChg>
+      <pc:sldChg chg="del">
+        <pc:chgData name="Ria Herwadkar" userId="3b2a09cc-b2cd-4995-a77a-bb4681e06173" providerId="ADAL" clId="{702FD82C-A1EF-4E5C-AFF4-C4FFA35478CE}" dt="2025-02-23T11:37:21.038" v="1" actId="2696"/>
+        <pc:sldMkLst>
+          <pc:docMk/>
+          <pc:sldMk cId="3181313041" sldId="257"/>
+        </pc:sldMkLst>
+      </pc:sldChg>
+      <pc:sldChg chg="modSp del mod">
+        <pc:chgData name="Ria Herwadkar" userId="3b2a09cc-b2cd-4995-a77a-bb4681e06173" providerId="ADAL" clId="{702FD82C-A1EF-4E5C-AFF4-C4FFA35478CE}" dt="2025-02-23T12:35:11.881" v="1574" actId="2696"/>
+        <pc:sldMkLst>
+          <pc:docMk/>
+          <pc:sldMk cId="1243144216" sldId="258"/>
+        </pc:sldMkLst>
+        <pc:spChg chg="mod">
+          <ac:chgData name="Ria Herwadkar" userId="3b2a09cc-b2cd-4995-a77a-bb4681e06173" providerId="ADAL" clId="{702FD82C-A1EF-4E5C-AFF4-C4FFA35478CE}" dt="2025-02-23T12:12:45.825" v="872" actId="20577"/>
+          <ac:spMkLst>
+            <pc:docMk/>
+            <pc:sldMk cId="1243144216" sldId="258"/>
+            <ac:spMk id="8" creationId="{1F82AAD7-535C-AA3C-D3C3-DE0752836913}"/>
+          </ac:spMkLst>
+        </pc:spChg>
+      </pc:sldChg>
+      <pc:sldChg chg="del">
+        <pc:chgData name="Ria Herwadkar" userId="3b2a09cc-b2cd-4995-a77a-bb4681e06173" providerId="ADAL" clId="{702FD82C-A1EF-4E5C-AFF4-C4FFA35478CE}" dt="2025-02-23T12:35:22.377" v="1576" actId="2696"/>
+        <pc:sldMkLst>
+          <pc:docMk/>
+          <pc:sldMk cId="1859300701" sldId="259"/>
+        </pc:sldMkLst>
+      </pc:sldChg>
+      <pc:sldChg chg="del">
+        <pc:chgData name="Ria Herwadkar" userId="3b2a09cc-b2cd-4995-a77a-bb4681e06173" providerId="ADAL" clId="{702FD82C-A1EF-4E5C-AFF4-C4FFA35478CE}" dt="2025-02-23T12:42:02.775" v="1954" actId="2696"/>
+        <pc:sldMkLst>
+          <pc:docMk/>
+          <pc:sldMk cId="1672280903" sldId="260"/>
+        </pc:sldMkLst>
+      </pc:sldChg>
+      <pc:sldChg chg="addSp delSp modSp mod modNotesTx">
+        <pc:chgData name="Ria Herwadkar" userId="3b2a09cc-b2cd-4995-a77a-bb4681e06173" providerId="ADAL" clId="{702FD82C-A1EF-4E5C-AFF4-C4FFA35478CE}" dt="2025-02-23T13:33:11.282" v="3458" actId="20577"/>
+        <pc:sldMkLst>
+          <pc:docMk/>
+          <pc:sldMk cId="1640100418" sldId="261"/>
+        </pc:sldMkLst>
+        <pc:spChg chg="del">
+          <ac:chgData name="Ria Herwadkar" userId="3b2a09cc-b2cd-4995-a77a-bb4681e06173" providerId="ADAL" clId="{702FD82C-A1EF-4E5C-AFF4-C4FFA35478CE}" dt="2025-02-23T13:29:05.869" v="3437" actId="478"/>
+          <ac:spMkLst>
+            <pc:docMk/>
+            <pc:sldMk cId="1640100418" sldId="261"/>
+            <ac:spMk id="9" creationId="{E92E5010-C19C-16FA-8258-17DB32EFCFA1}"/>
+          </ac:spMkLst>
+        </pc:spChg>
+        <pc:picChg chg="add del">
+          <ac:chgData name="Ria Herwadkar" userId="3b2a09cc-b2cd-4995-a77a-bb4681e06173" providerId="ADAL" clId="{702FD82C-A1EF-4E5C-AFF4-C4FFA35478CE}" dt="2025-02-23T13:11:40.516" v="2324" actId="478"/>
+          <ac:picMkLst>
+            <pc:docMk/>
+            <pc:sldMk cId="1640100418" sldId="261"/>
+            <ac:picMk id="4" creationId="{80D76E0A-4D94-6D15-1D43-59F36591C36F}"/>
+          </ac:picMkLst>
+        </pc:picChg>
+        <pc:picChg chg="mod">
+          <ac:chgData name="Ria Herwadkar" userId="3b2a09cc-b2cd-4995-a77a-bb4681e06173" providerId="ADAL" clId="{702FD82C-A1EF-4E5C-AFF4-C4FFA35478CE}" dt="2025-02-23T13:14:31.220" v="2361" actId="1076"/>
+          <ac:picMkLst>
+            <pc:docMk/>
+            <pc:sldMk cId="1640100418" sldId="261"/>
+            <ac:picMk id="5" creationId="{48E5EA02-98A4-3959-F328-9BF6992833AF}"/>
+          </ac:picMkLst>
+        </pc:picChg>
+        <pc:picChg chg="del">
+          <ac:chgData name="Ria Herwadkar" userId="3b2a09cc-b2cd-4995-a77a-bb4681e06173" providerId="ADAL" clId="{702FD82C-A1EF-4E5C-AFF4-C4FFA35478CE}" dt="2025-02-23T13:10:11.814" v="2319" actId="478"/>
+          <ac:picMkLst>
+            <pc:docMk/>
+            <pc:sldMk cId="1640100418" sldId="261"/>
+            <ac:picMk id="7" creationId="{F6A5D444-6622-2036-7FA7-DB966C9088FE}"/>
+          </ac:picMkLst>
+        </pc:picChg>
+        <pc:picChg chg="add del mod">
+          <ac:chgData name="Ria Herwadkar" userId="3b2a09cc-b2cd-4995-a77a-bb4681e06173" providerId="ADAL" clId="{702FD82C-A1EF-4E5C-AFF4-C4FFA35478CE}" dt="2025-02-23T13:12:32.706" v="2328" actId="478"/>
+          <ac:picMkLst>
+            <pc:docMk/>
+            <pc:sldMk cId="1640100418" sldId="261"/>
+            <ac:picMk id="8" creationId="{AF23EB90-8F7E-46FE-68D0-B5766E842404}"/>
+          </ac:picMkLst>
+        </pc:picChg>
+        <pc:picChg chg="add mod">
+          <ac:chgData name="Ria Herwadkar" userId="3b2a09cc-b2cd-4995-a77a-bb4681e06173" providerId="ADAL" clId="{702FD82C-A1EF-4E5C-AFF4-C4FFA35478CE}" dt="2025-02-23T13:14:03.754" v="2352" actId="1076"/>
+          <ac:picMkLst>
+            <pc:docMk/>
+            <pc:sldMk cId="1640100418" sldId="261"/>
+            <ac:picMk id="11" creationId="{185C8DCC-2E17-17BA-25F9-7E9EA0B2D76C}"/>
+          </ac:picMkLst>
+        </pc:picChg>
+        <pc:picChg chg="add mod">
+          <ac:chgData name="Ria Herwadkar" userId="3b2a09cc-b2cd-4995-a77a-bb4681e06173" providerId="ADAL" clId="{702FD82C-A1EF-4E5C-AFF4-C4FFA35478CE}" dt="2025-02-23T13:14:24.600" v="2359" actId="1076"/>
+          <ac:picMkLst>
+            <pc:docMk/>
+            <pc:sldMk cId="1640100418" sldId="261"/>
+            <ac:picMk id="13" creationId="{88B057E6-3C65-ED45-ACA0-D2A50B4C8336}"/>
+          </ac:picMkLst>
+        </pc:picChg>
+        <pc:picChg chg="add del mod">
+          <ac:chgData name="Ria Herwadkar" userId="3b2a09cc-b2cd-4995-a77a-bb4681e06173" providerId="ADAL" clId="{702FD82C-A1EF-4E5C-AFF4-C4FFA35478CE}" dt="2025-02-23T13:15:00.816" v="2363" actId="478"/>
+          <ac:picMkLst>
+            <pc:docMk/>
+            <pc:sldMk cId="1640100418" sldId="261"/>
+            <ac:picMk id="14" creationId="{EBE566DD-1263-9764-A4E3-A8557EBA68D9}"/>
+          </ac:picMkLst>
+        </pc:picChg>
+        <pc:picChg chg="add del mod">
+          <ac:chgData name="Ria Herwadkar" userId="3b2a09cc-b2cd-4995-a77a-bb4681e06173" providerId="ADAL" clId="{702FD82C-A1EF-4E5C-AFF4-C4FFA35478CE}" dt="2025-02-23T13:15:09.028" v="2365" actId="478"/>
+          <ac:picMkLst>
+            <pc:docMk/>
+            <pc:sldMk cId="1640100418" sldId="261"/>
+            <ac:picMk id="15" creationId="{04ED804B-77E5-4D2A-5D8D-5DB1A3A3F7D4}"/>
+          </ac:picMkLst>
+        </pc:picChg>
+      </pc:sldChg>
+      <pc:sldChg chg="addSp delSp modSp mod modNotesTx">
+        <pc:chgData name="Ria Herwadkar" userId="3b2a09cc-b2cd-4995-a77a-bb4681e06173" providerId="ADAL" clId="{702FD82C-A1EF-4E5C-AFF4-C4FFA35478CE}" dt="2025-02-23T15:01:41.070" v="4725" actId="20577"/>
+        <pc:sldMkLst>
+          <pc:docMk/>
+          <pc:sldMk cId="4084590639" sldId="262"/>
+        </pc:sldMkLst>
+        <pc:spChg chg="add del">
+          <ac:chgData name="Ria Herwadkar" userId="3b2a09cc-b2cd-4995-a77a-bb4681e06173" providerId="ADAL" clId="{702FD82C-A1EF-4E5C-AFF4-C4FFA35478CE}" dt="2025-02-23T15:01:28.022" v="4721" actId="478"/>
+          <ac:spMkLst>
+            <pc:docMk/>
+            <pc:sldMk cId="4084590639" sldId="262"/>
+            <ac:spMk id="2" creationId="{79F00D6C-10A0-7AF4-4DF4-1CAED8E50D06}"/>
+          </ac:spMkLst>
+        </pc:spChg>
+        <pc:spChg chg="add del mod">
+          <ac:chgData name="Ria Herwadkar" userId="3b2a09cc-b2cd-4995-a77a-bb4681e06173" providerId="ADAL" clId="{702FD82C-A1EF-4E5C-AFF4-C4FFA35478CE}" dt="2025-02-23T15:01:28.022" v="4721" actId="478"/>
+          <ac:spMkLst>
+            <pc:docMk/>
+            <pc:sldMk cId="4084590639" sldId="262"/>
+            <ac:spMk id="5" creationId="{ABBCFD7C-C6D0-C982-262B-0A686FCE270F}"/>
+          </ac:spMkLst>
+        </pc:spChg>
+        <pc:spChg chg="del mod">
+          <ac:chgData name="Ria Herwadkar" userId="3b2a09cc-b2cd-4995-a77a-bb4681e06173" providerId="ADAL" clId="{702FD82C-A1EF-4E5C-AFF4-C4FFA35478CE}" dt="2025-02-23T15:01:31.597" v="4723" actId="478"/>
+          <ac:spMkLst>
+            <pc:docMk/>
+            <pc:sldMk cId="4084590639" sldId="262"/>
+            <ac:spMk id="8" creationId="{6B137EF1-475A-8C80-C5AF-D6B85E04AD64}"/>
+          </ac:spMkLst>
+        </pc:spChg>
+        <pc:spChg chg="add del mod">
+          <ac:chgData name="Ria Herwadkar" userId="3b2a09cc-b2cd-4995-a77a-bb4681e06173" providerId="ADAL" clId="{702FD82C-A1EF-4E5C-AFF4-C4FFA35478CE}" dt="2025-02-23T13:30:24.910" v="3444" actId="478"/>
+          <ac:spMkLst>
+            <pc:docMk/>
+            <pc:sldMk cId="4084590639" sldId="262"/>
+            <ac:spMk id="11" creationId="{A310BEAD-5FCE-A675-21E2-F8C9AE5379BE}"/>
+          </ac:spMkLst>
+        </pc:spChg>
+        <pc:picChg chg="add mod">
+          <ac:chgData name="Ria Herwadkar" userId="3b2a09cc-b2cd-4995-a77a-bb4681e06173" providerId="ADAL" clId="{702FD82C-A1EF-4E5C-AFF4-C4FFA35478CE}" dt="2025-02-23T13:30:45.535" v="3452" actId="1076"/>
+          <ac:picMkLst>
+            <pc:docMk/>
+            <pc:sldMk cId="4084590639" sldId="262"/>
+            <ac:picMk id="4" creationId="{5A1C3EB7-9A23-AF28-540F-66272AB29D73}"/>
+          </ac:picMkLst>
+        </pc:picChg>
+        <pc:picChg chg="del">
+          <ac:chgData name="Ria Herwadkar" userId="3b2a09cc-b2cd-4995-a77a-bb4681e06173" providerId="ADAL" clId="{702FD82C-A1EF-4E5C-AFF4-C4FFA35478CE}" dt="2025-02-23T13:30:14.138" v="3441" actId="478"/>
+          <ac:picMkLst>
+            <pc:docMk/>
+            <pc:sldMk cId="4084590639" sldId="262"/>
+            <ac:picMk id="5" creationId="{40CA964B-B3B5-6EAE-CA28-491EFDA3D442}"/>
+          </ac:picMkLst>
+        </pc:picChg>
+        <pc:picChg chg="del">
+          <ac:chgData name="Ria Herwadkar" userId="3b2a09cc-b2cd-4995-a77a-bb4681e06173" providerId="ADAL" clId="{702FD82C-A1EF-4E5C-AFF4-C4FFA35478CE}" dt="2025-02-23T13:30:16.652" v="3442" actId="478"/>
+          <ac:picMkLst>
+            <pc:docMk/>
+            <pc:sldMk cId="4084590639" sldId="262"/>
+            <ac:picMk id="7" creationId="{BF3D54AA-2506-CA09-8560-93035BF9681A}"/>
+          </ac:picMkLst>
+        </pc:picChg>
+        <pc:picChg chg="add mod">
+          <ac:chgData name="Ria Herwadkar" userId="3b2a09cc-b2cd-4995-a77a-bb4681e06173" providerId="ADAL" clId="{702FD82C-A1EF-4E5C-AFF4-C4FFA35478CE}" dt="2025-02-23T13:30:49.850" v="3454" actId="1076"/>
+          <ac:picMkLst>
+            <pc:docMk/>
+            <pc:sldMk cId="4084590639" sldId="262"/>
+            <ac:picMk id="9" creationId="{0ECEC315-76AE-10EF-7A62-8B3F3FF47B1E}"/>
+          </ac:picMkLst>
+        </pc:picChg>
+        <pc:picChg chg="add del mod">
+          <ac:chgData name="Ria Herwadkar" userId="3b2a09cc-b2cd-4995-a77a-bb4681e06173" providerId="ADAL" clId="{702FD82C-A1EF-4E5C-AFF4-C4FFA35478CE}" dt="2025-02-23T13:31:17.080" v="3456" actId="478"/>
+          <ac:picMkLst>
+            <pc:docMk/>
+            <pc:sldMk cId="4084590639" sldId="262"/>
+            <ac:picMk id="12" creationId="{72301FAC-B1FF-CFAC-2A99-7659C51F0D6D}"/>
+          </ac:picMkLst>
+        </pc:picChg>
+      </pc:sldChg>
+      <pc:sldChg chg="delSp del mod">
+        <pc:chgData name="Ria Herwadkar" userId="3b2a09cc-b2cd-4995-a77a-bb4681e06173" providerId="ADAL" clId="{702FD82C-A1EF-4E5C-AFF4-C4FFA35478CE}" dt="2025-02-23T13:09:59.127" v="2318" actId="2696"/>
+        <pc:sldMkLst>
+          <pc:docMk/>
+          <pc:sldMk cId="1941389796" sldId="263"/>
+        </pc:sldMkLst>
+        <pc:picChg chg="del">
+          <ac:chgData name="Ria Herwadkar" userId="3b2a09cc-b2cd-4995-a77a-bb4681e06173" providerId="ADAL" clId="{702FD82C-A1EF-4E5C-AFF4-C4FFA35478CE}" dt="2025-02-23T12:42:33.691" v="1959" actId="478"/>
+          <ac:picMkLst>
+            <pc:docMk/>
+            <pc:sldMk cId="1941389796" sldId="263"/>
+            <ac:picMk id="7" creationId="{A5ACEC16-6A4A-C3F0-AC4E-BBE5D07F7C19}"/>
+          </ac:picMkLst>
+        </pc:picChg>
+      </pc:sldChg>
+      <pc:sldChg chg="delSp modSp mod modNotesTx">
+        <pc:chgData name="Ria Herwadkar" userId="3b2a09cc-b2cd-4995-a77a-bb4681e06173" providerId="ADAL" clId="{702FD82C-A1EF-4E5C-AFF4-C4FFA35478CE}" dt="2025-02-23T15:08:21.442" v="5316" actId="1076"/>
+        <pc:sldMkLst>
+          <pc:docMk/>
+          <pc:sldMk cId="3280548910" sldId="264"/>
+        </pc:sldMkLst>
+        <pc:spChg chg="del mod">
+          <ac:chgData name="Ria Herwadkar" userId="3b2a09cc-b2cd-4995-a77a-bb4681e06173" providerId="ADAL" clId="{702FD82C-A1EF-4E5C-AFF4-C4FFA35478CE}" dt="2025-02-23T15:08:16.937" v="5315" actId="478"/>
+          <ac:spMkLst>
+            <pc:docMk/>
+            <pc:sldMk cId="3280548910" sldId="264"/>
+            <ac:spMk id="6" creationId="{2A044C05-746F-AA02-07D3-BA72A31F20BD}"/>
+          </ac:spMkLst>
+        </pc:spChg>
+        <pc:picChg chg="mod">
+          <ac:chgData name="Ria Herwadkar" userId="3b2a09cc-b2cd-4995-a77a-bb4681e06173" providerId="ADAL" clId="{702FD82C-A1EF-4E5C-AFF4-C4FFA35478CE}" dt="2025-02-23T15:08:21.442" v="5316" actId="1076"/>
+          <ac:picMkLst>
+            <pc:docMk/>
+            <pc:sldMk cId="3280548910" sldId="264"/>
+            <ac:picMk id="5" creationId="{BF5A991B-90BD-C5D9-F5A9-5A32127E3572}"/>
+          </ac:picMkLst>
+        </pc:picChg>
+      </pc:sldChg>
+      <pc:sldChg chg="addSp modSp mod">
+        <pc:chgData name="Ria Herwadkar" userId="3b2a09cc-b2cd-4995-a77a-bb4681e06173" providerId="ADAL" clId="{702FD82C-A1EF-4E5C-AFF4-C4FFA35478CE}" dt="2025-02-23T12:42:28.318" v="1958" actId="1076"/>
+        <pc:sldMkLst>
+          <pc:docMk/>
+          <pc:sldMk cId="293854211" sldId="268"/>
+        </pc:sldMkLst>
+        <pc:picChg chg="add mod">
+          <ac:chgData name="Ria Herwadkar" userId="3b2a09cc-b2cd-4995-a77a-bb4681e06173" providerId="ADAL" clId="{702FD82C-A1EF-4E5C-AFF4-C4FFA35478CE}" dt="2025-02-23T12:42:28.318" v="1958" actId="1076"/>
+          <ac:picMkLst>
+            <pc:docMk/>
+            <pc:sldMk cId="293854211" sldId="268"/>
+            <ac:picMk id="3" creationId="{6594EE08-7343-AE33-608D-D351D7C18A5E}"/>
+          </ac:picMkLst>
+        </pc:picChg>
+        <pc:picChg chg="mod">
+          <ac:chgData name="Ria Herwadkar" userId="3b2a09cc-b2cd-4995-a77a-bb4681e06173" providerId="ADAL" clId="{702FD82C-A1EF-4E5C-AFF4-C4FFA35478CE}" dt="2025-02-23T12:42:23.482" v="1956" actId="1076"/>
+          <ac:picMkLst>
+            <pc:docMk/>
+            <pc:sldMk cId="293854211" sldId="268"/>
+            <ac:picMk id="7" creationId="{1EA89688-A79A-B723-47C1-A1F2F8B909A6}"/>
+          </ac:picMkLst>
+        </pc:picChg>
+      </pc:sldChg>
+      <pc:sldChg chg="addSp delSp modSp mod modNotesTx">
+        <pc:chgData name="Ria Herwadkar" userId="3b2a09cc-b2cd-4995-a77a-bb4681e06173" providerId="ADAL" clId="{702FD82C-A1EF-4E5C-AFF4-C4FFA35478CE}" dt="2025-02-23T13:09:49.423" v="2317" actId="20577"/>
+        <pc:sldMkLst>
+          <pc:docMk/>
+          <pc:sldMk cId="3086584591" sldId="270"/>
+        </pc:sldMkLst>
+        <pc:spChg chg="add del mod">
+          <ac:chgData name="Ria Herwadkar" userId="3b2a09cc-b2cd-4995-a77a-bb4681e06173" providerId="ADAL" clId="{702FD82C-A1EF-4E5C-AFF4-C4FFA35478CE}" dt="2025-02-23T12:17:49.987" v="910" actId="22"/>
+          <ac:spMkLst>
+            <pc:docMk/>
+            <pc:sldMk cId="3086584591" sldId="270"/>
+            <ac:spMk id="4" creationId="{62327E68-B099-72A0-5883-3BED315A3745}"/>
+          </ac:spMkLst>
+        </pc:spChg>
+        <pc:picChg chg="add del">
+          <ac:chgData name="Ria Herwadkar" userId="3b2a09cc-b2cd-4995-a77a-bb4681e06173" providerId="ADAL" clId="{702FD82C-A1EF-4E5C-AFF4-C4FFA35478CE}" dt="2025-02-23T12:17:49.796" v="909" actId="478"/>
+          <ac:picMkLst>
+            <pc:docMk/>
+            <pc:sldMk cId="3086584591" sldId="270"/>
+            <ac:picMk id="5" creationId="{2F6DC782-69C8-56C7-27DD-14FE398098BA}"/>
+          </ac:picMkLst>
+        </pc:picChg>
+        <pc:picChg chg="add del mod ord">
+          <ac:chgData name="Ria Herwadkar" userId="3b2a09cc-b2cd-4995-a77a-bb4681e06173" providerId="ADAL" clId="{702FD82C-A1EF-4E5C-AFF4-C4FFA35478CE}" dt="2025-02-23T12:17:53.563" v="925" actId="1076"/>
+          <ac:picMkLst>
+            <pc:docMk/>
+            <pc:sldMk cId="3086584591" sldId="270"/>
+            <ac:picMk id="7" creationId="{36FBBBCD-67E5-BF88-9BC6-65D94931FBAF}"/>
+          </ac:picMkLst>
+        </pc:picChg>
+        <pc:picChg chg="add del mod">
+          <ac:chgData name="Ria Herwadkar" userId="3b2a09cc-b2cd-4995-a77a-bb4681e06173" providerId="ADAL" clId="{702FD82C-A1EF-4E5C-AFF4-C4FFA35478CE}" dt="2025-02-23T12:17:51.937" v="920" actId="478"/>
+          <ac:picMkLst>
+            <pc:docMk/>
+            <pc:sldMk cId="3086584591" sldId="270"/>
+            <ac:picMk id="8" creationId="{78529CE8-018A-AD23-415A-82C9C4CB3F28}"/>
+          </ac:picMkLst>
+        </pc:picChg>
+        <pc:picChg chg="add del mod">
+          <ac:chgData name="Ria Herwadkar" userId="3b2a09cc-b2cd-4995-a77a-bb4681e06173" providerId="ADAL" clId="{702FD82C-A1EF-4E5C-AFF4-C4FFA35478CE}" dt="2025-02-23T12:18:25.660" v="928" actId="1076"/>
+          <ac:picMkLst>
+            <pc:docMk/>
+            <pc:sldMk cId="3086584591" sldId="270"/>
+            <ac:picMk id="10" creationId="{DB38731B-03CC-714C-8234-D8CD26ABD4EA}"/>
+          </ac:picMkLst>
+        </pc:picChg>
+        <pc:picChg chg="add mod">
+          <ac:chgData name="Ria Herwadkar" userId="3b2a09cc-b2cd-4995-a77a-bb4681e06173" providerId="ADAL" clId="{702FD82C-A1EF-4E5C-AFF4-C4FFA35478CE}" dt="2025-02-23T12:35:59.191" v="1581" actId="1076"/>
+          <ac:picMkLst>
+            <pc:docMk/>
+            <pc:sldMk cId="3086584591" sldId="270"/>
+            <ac:picMk id="12" creationId="{4E7F7980-B4C7-42DA-28A3-E89424BA4F7A}"/>
+          </ac:picMkLst>
+        </pc:picChg>
+      </pc:sldChg>
+      <pc:sldChg chg="addSp delSp modSp new mod modNotesTx">
+        <pc:chgData name="Ria Herwadkar" userId="3b2a09cc-b2cd-4995-a77a-bb4681e06173" providerId="ADAL" clId="{702FD82C-A1EF-4E5C-AFF4-C4FFA35478CE}" dt="2025-02-23T12:12:30.722" v="871" actId="20577"/>
+        <pc:sldMkLst>
+          <pc:docMk/>
+          <pc:sldMk cId="2995787267" sldId="271"/>
+        </pc:sldMkLst>
+        <pc:spChg chg="mod">
+          <ac:chgData name="Ria Herwadkar" userId="3b2a09cc-b2cd-4995-a77a-bb4681e06173" providerId="ADAL" clId="{702FD82C-A1EF-4E5C-AFF4-C4FFA35478CE}" dt="2025-02-23T11:37:55.674" v="14" actId="20577"/>
+          <ac:spMkLst>
+            <pc:docMk/>
+            <pc:sldMk cId="2995787267" sldId="271"/>
+            <ac:spMk id="2" creationId="{54D157CF-6114-5EFC-2771-F0A3E725101D}"/>
+          </ac:spMkLst>
+        </pc:spChg>
+        <pc:spChg chg="del">
+          <ac:chgData name="Ria Herwadkar" userId="3b2a09cc-b2cd-4995-a77a-bb4681e06173" providerId="ADAL" clId="{702FD82C-A1EF-4E5C-AFF4-C4FFA35478CE}" dt="2025-02-23T11:39:06.933" v="15"/>
+          <ac:spMkLst>
+            <pc:docMk/>
+            <pc:sldMk cId="2995787267" sldId="271"/>
+            <ac:spMk id="3" creationId="{BAEF7C45-BB03-2450-18CC-698861F63B3B}"/>
+          </ac:spMkLst>
+        </pc:spChg>
+        <pc:picChg chg="add mod">
+          <ac:chgData name="Ria Herwadkar" userId="3b2a09cc-b2cd-4995-a77a-bb4681e06173" providerId="ADAL" clId="{702FD82C-A1EF-4E5C-AFF4-C4FFA35478CE}" dt="2025-02-23T11:43:21.127" v="28" actId="1076"/>
+          <ac:picMkLst>
+            <pc:docMk/>
+            <pc:sldMk cId="2995787267" sldId="271"/>
+            <ac:picMk id="1026" creationId="{1E115E45-45A5-A185-2AA4-70066984F574}"/>
+          </ac:picMkLst>
+        </pc:picChg>
+        <pc:picChg chg="add mod">
+          <ac:chgData name="Ria Herwadkar" userId="3b2a09cc-b2cd-4995-a77a-bb4681e06173" providerId="ADAL" clId="{702FD82C-A1EF-4E5C-AFF4-C4FFA35478CE}" dt="2025-02-23T11:44:04.114" v="37" actId="1076"/>
+          <ac:picMkLst>
+            <pc:docMk/>
+            <pc:sldMk cId="2995787267" sldId="271"/>
+            <ac:picMk id="1028" creationId="{F237B582-CF9E-808F-1C36-51E56097435C}"/>
+          </ac:picMkLst>
+        </pc:picChg>
+        <pc:picChg chg="add del mod">
+          <ac:chgData name="Ria Herwadkar" userId="3b2a09cc-b2cd-4995-a77a-bb4681e06173" providerId="ADAL" clId="{702FD82C-A1EF-4E5C-AFF4-C4FFA35478CE}" dt="2025-02-23T11:42:33.921" v="19" actId="478"/>
+          <ac:picMkLst>
+            <pc:docMk/>
+            <pc:sldMk cId="2995787267" sldId="271"/>
+            <ac:picMk id="1030" creationId="{4FBE9521-BC31-0CA8-CAD3-5ED37AE0BAD0}"/>
+          </ac:picMkLst>
+        </pc:picChg>
+        <pc:picChg chg="add mod">
+          <ac:chgData name="Ria Herwadkar" userId="3b2a09cc-b2cd-4995-a77a-bb4681e06173" providerId="ADAL" clId="{702FD82C-A1EF-4E5C-AFF4-C4FFA35478CE}" dt="2025-02-23T11:44:10.951" v="38" actId="1076"/>
+          <ac:picMkLst>
+            <pc:docMk/>
+            <pc:sldMk cId="2995787267" sldId="271"/>
+            <ac:picMk id="1032" creationId="{C9840249-E305-B3B7-9797-97139B6AC007}"/>
+          </ac:picMkLst>
+        </pc:picChg>
+      </pc:sldChg>
+      <pc:sldChg chg="new del">
+        <pc:chgData name="Ria Herwadkar" userId="3b2a09cc-b2cd-4995-a77a-bb4681e06173" providerId="ADAL" clId="{702FD82C-A1EF-4E5C-AFF4-C4FFA35478CE}" dt="2025-02-23T12:35:14.441" v="1575" actId="2696"/>
+        <pc:sldMkLst>
+          <pc:docMk/>
+          <pc:sldMk cId="2007054008" sldId="272"/>
+        </pc:sldMkLst>
+      </pc:sldChg>
+    </pc:docChg>
+  </pc:docChgLst>
+</pc:chgInfo>
 </file>
 
 <file path=ppt/notesMasters/notesMaster1.xml><?xml version="1.0" encoding="utf-8"?>
@@ -218,7 +616,7 @@
           <a:p>
             <a:fld id="{92D3AF9D-1AFB-4FF2-8612-10547E51CAD3}" type="datetimeFigureOut">
               <a:rPr lang="en-GB" smtClean="0"/>
-              <a:t>09/02/2025</a:t>
+              <a:t>23/02/2025</a:t>
             </a:fld>
             <a:endParaRPr lang="en-GB"/>
           </a:p>
@@ -534,6 +932,35 @@
               <a:t>This presentation will go over my design choices for my perfume e-commerce website. I will be explaining how each section was designed for usability, branding and responsiveness.</a:t>
             </a:r>
           </a:p>
+          <a:p>
+            <a:endParaRPr lang="en-GB" dirty="0"/>
+          </a:p>
+          <a:p>
+            <a:pPr marL="0" marR="0" lvl="0" indent="0" algn="l" defTabSz="914400" rtl="0" eaLnBrk="1" fontAlgn="auto" latinLnBrk="0" hangingPunct="1">
+              <a:lnSpc>
+                <a:spcPct val="100000"/>
+              </a:lnSpc>
+              <a:spcBef>
+                <a:spcPts val="0"/>
+              </a:spcBef>
+              <a:spcAft>
+                <a:spcPts val="0"/>
+              </a:spcAft>
+              <a:buClrTx/>
+              <a:buSzTx/>
+              <a:buFontTx/>
+              <a:buNone/>
+              <a:tabLst/>
+              <a:defRPr/>
+            </a:pPr>
+            <a:r>
+              <a:rPr lang="en-GB" dirty="0"/>
+              <a:t>I will be presenting my front-end development project for TNK Technologies . I have been tasked with designing and developing a fully responsive and accessible e-commerce website.</a:t>
+            </a:r>
+          </a:p>
+          <a:p>
+            <a:endParaRPr lang="en-GB" dirty="0"/>
+          </a:p>
         </p:txBody>
       </p:sp>
       <p:sp>
@@ -618,7 +1045,7 @@
           <a:p>
             <a:r>
               <a:rPr lang="en-GB" dirty="0"/>
-              <a:t>The Contact Us Form follows a clean and straightforward design to enhance usability. The </a:t>
+              <a:t>The login form was designed to be minimalist and user-friendly, ensuring users can log in without distractions. The blurred background effect keeps the form readable while maintaining a modern, sleek look. The form is </a:t>
             </a:r>
             <a:r>
               <a:rPr lang="en-GB" dirty="0" err="1"/>
@@ -626,15 +1053,7 @@
             </a:r>
             <a:r>
               <a:rPr lang="en-GB" dirty="0"/>
-              <a:t> layout draws attention to the form. The soft background contrast enhances text visibility without straining the eyes. Well-</a:t>
-            </a:r>
-            <a:r>
-              <a:rPr lang="en-GB" dirty="0" err="1"/>
-              <a:t>labeled</a:t>
-            </a:r>
-            <a:r>
-              <a:rPr lang="en-GB" dirty="0"/>
-              <a:t> fields make filling out the form intuitive, and the styled submit button keeps branding consistent. Proper spacing between form elements improves the overall user experience by maintaining a neat and organized appearance.</a:t>
+              <a:t>, creating a structured and visually balanced layout. Having a protected password is included for security, but its design remains clear and non-intrusive. The small footer keeps the page clean, preventing unnecessary distractions from the login process.</a:t>
             </a:r>
           </a:p>
         </p:txBody>
@@ -665,7 +1084,7 @@
     </p:spTree>
     <p:extLst>
       <p:ext uri="{BB962C8B-B14F-4D97-AF65-F5344CB8AC3E}">
-        <p14:creationId xmlns:p14="http://schemas.microsoft.com/office/powerpoint/2010/main" val="1861563597"/>
+        <p14:creationId xmlns:p14="http://schemas.microsoft.com/office/powerpoint/2010/main" val="2612449899"/>
       </p:ext>
     </p:extLst>
   </p:cSld>
@@ -721,15 +1140,7 @@
           <a:p>
             <a:r>
               <a:rPr lang="en-GB" dirty="0"/>
-              <a:t>The FAQ section was designed using an accordion format to keep the page organized and clutter-free. Users can expand only the questions they need, making it easier to find relevant information. The consistent styling aligns with the website’s overall aesthetic, ensuring a seamless experience. A </a:t>
-            </a:r>
-            <a:r>
-              <a:rPr lang="en-GB" dirty="0" err="1"/>
-              <a:t>centered</a:t>
-            </a:r>
-            <a:r>
-              <a:rPr lang="en-GB" dirty="0"/>
-              <a:t> layout keeps the section structured, while dark mode compatibility enhances readability across different lighting conditions.</a:t>
+              <a:t>The register form was designed to be structured and easy to navigate, ensuring a smooth user experience. A blurred background effect was used to keep the form readable while maintaining an aesthetically pleasing design. Consistent input field styling ensures a professional and cohesive appearance. Password and confirm password fields are clearly separated, reducing confusion. Sufficient spacing between form elements prevents visual clutter, making the form easier to fill out. The minimal footer ensures the user's attention remains on completing their registration.</a:t>
             </a:r>
           </a:p>
         </p:txBody>
@@ -752,275 +1163,6 @@
             <a:fld id="{9F4E6292-AA4D-40A9-9791-B76C98E34DC7}" type="slidenum">
               <a:rPr lang="en-GB" smtClean="0"/>
               <a:t>11</a:t>
-            </a:fld>
-            <a:endParaRPr lang="en-GB"/>
-          </a:p>
-        </p:txBody>
-      </p:sp>
-    </p:spTree>
-    <p:extLst>
-      <p:ext uri="{BB962C8B-B14F-4D97-AF65-F5344CB8AC3E}">
-        <p14:creationId xmlns:p14="http://schemas.microsoft.com/office/powerpoint/2010/main" val="2242309442"/>
-      </p:ext>
-    </p:extLst>
-  </p:cSld>
-  <p:clrMapOvr>
-    <a:masterClrMapping/>
-  </p:clrMapOvr>
-</p:notes>
-</file>
-
-<file path=ppt/notesSlides/notesSlide12.xml><?xml version="1.0" encoding="utf-8"?>
-<p:notes xmlns:a="http://schemas.openxmlformats.org/drawingml/2006/main" xmlns:r="http://schemas.openxmlformats.org/officeDocument/2006/relationships" xmlns:p="http://schemas.openxmlformats.org/presentationml/2006/main">
-  <p:cSld>
-    <p:spTree>
-      <p:nvGrpSpPr>
-        <p:cNvPr id="1" name=""/>
-        <p:cNvGrpSpPr/>
-        <p:nvPr/>
-      </p:nvGrpSpPr>
-      <p:grpSpPr>
-        <a:xfrm>
-          <a:off x="0" y="0"/>
-          <a:ext cx="0" cy="0"/>
-          <a:chOff x="0" y="0"/>
-          <a:chExt cx="0" cy="0"/>
-        </a:xfrm>
-      </p:grpSpPr>
-      <p:sp>
-        <p:nvSpPr>
-          <p:cNvPr id="2" name="Slide Image Placeholder 1"/>
-          <p:cNvSpPr>
-            <a:spLocks noGrp="1" noRot="1" noChangeAspect="1"/>
-          </p:cNvSpPr>
-          <p:nvPr>
-            <p:ph type="sldImg"/>
-          </p:nvPr>
-        </p:nvSpPr>
-        <p:spPr/>
-      </p:sp>
-      <p:sp>
-        <p:nvSpPr>
-          <p:cNvPr id="3" name="Notes Placeholder 2"/>
-          <p:cNvSpPr>
-            <a:spLocks noGrp="1"/>
-          </p:cNvSpPr>
-          <p:nvPr>
-            <p:ph type="body" idx="1"/>
-          </p:nvPr>
-        </p:nvSpPr>
-        <p:spPr/>
-        <p:txBody>
-          <a:bodyPr/>
-          <a:lstStyle/>
-          <a:p>
-            <a:r>
-              <a:rPr lang="en-GB" dirty="0"/>
-              <a:t>The map is fully interactive, allowing users to zoom and move for better navigation. A custom marker featuring the website’s logo highlights the store’s exact location, making it easy to identify. The design remains minimalist, keeping the focus on functionality.</a:t>
-            </a:r>
-          </a:p>
-        </p:txBody>
-      </p:sp>
-      <p:sp>
-        <p:nvSpPr>
-          <p:cNvPr id="4" name="Slide Number Placeholder 3"/>
-          <p:cNvSpPr>
-            <a:spLocks noGrp="1"/>
-          </p:cNvSpPr>
-          <p:nvPr>
-            <p:ph type="sldNum" sz="quarter" idx="5"/>
-          </p:nvPr>
-        </p:nvSpPr>
-        <p:spPr/>
-        <p:txBody>
-          <a:bodyPr/>
-          <a:lstStyle/>
-          <a:p>
-            <a:fld id="{9F4E6292-AA4D-40A9-9791-B76C98E34DC7}" type="slidenum">
-              <a:rPr lang="en-GB" smtClean="0"/>
-              <a:t>12</a:t>
-            </a:fld>
-            <a:endParaRPr lang="en-GB"/>
-          </a:p>
-        </p:txBody>
-      </p:sp>
-    </p:spTree>
-    <p:extLst>
-      <p:ext uri="{BB962C8B-B14F-4D97-AF65-F5344CB8AC3E}">
-        <p14:creationId xmlns:p14="http://schemas.microsoft.com/office/powerpoint/2010/main" val="2371149914"/>
-      </p:ext>
-    </p:extLst>
-  </p:cSld>
-  <p:clrMapOvr>
-    <a:masterClrMapping/>
-  </p:clrMapOvr>
-</p:notes>
-</file>
-
-<file path=ppt/notesSlides/notesSlide13.xml><?xml version="1.0" encoding="utf-8"?>
-<p:notes xmlns:a="http://schemas.openxmlformats.org/drawingml/2006/main" xmlns:r="http://schemas.openxmlformats.org/officeDocument/2006/relationships" xmlns:p="http://schemas.openxmlformats.org/presentationml/2006/main">
-  <p:cSld>
-    <p:spTree>
-      <p:nvGrpSpPr>
-        <p:cNvPr id="1" name=""/>
-        <p:cNvGrpSpPr/>
-        <p:nvPr/>
-      </p:nvGrpSpPr>
-      <p:grpSpPr>
-        <a:xfrm>
-          <a:off x="0" y="0"/>
-          <a:ext cx="0" cy="0"/>
-          <a:chOff x="0" y="0"/>
-          <a:chExt cx="0" cy="0"/>
-        </a:xfrm>
-      </p:grpSpPr>
-      <p:sp>
-        <p:nvSpPr>
-          <p:cNvPr id="2" name="Slide Image Placeholder 1"/>
-          <p:cNvSpPr>
-            <a:spLocks noGrp="1" noRot="1" noChangeAspect="1"/>
-          </p:cNvSpPr>
-          <p:nvPr>
-            <p:ph type="sldImg"/>
-          </p:nvPr>
-        </p:nvSpPr>
-        <p:spPr/>
-      </p:sp>
-      <p:sp>
-        <p:nvSpPr>
-          <p:cNvPr id="3" name="Notes Placeholder 2"/>
-          <p:cNvSpPr>
-            <a:spLocks noGrp="1"/>
-          </p:cNvSpPr>
-          <p:nvPr>
-            <p:ph type="body" idx="1"/>
-          </p:nvPr>
-        </p:nvSpPr>
-        <p:spPr/>
-        <p:txBody>
-          <a:bodyPr/>
-          <a:lstStyle/>
-          <a:p>
-            <a:r>
-              <a:rPr lang="en-GB" dirty="0"/>
-              <a:t>The login form was designed to be minimalist and user-friendly, ensuring users can log in without distractions. The blurred background effect keeps the form readable while maintaining a modern, sleek look. The form is </a:t>
-            </a:r>
-            <a:r>
-              <a:rPr lang="en-GB" dirty="0" err="1"/>
-              <a:t>centered</a:t>
-            </a:r>
-            <a:r>
-              <a:rPr lang="en-GB" dirty="0"/>
-              <a:t>, creating a structured and visually balanced layout. Having a protected password is included for security, but its design remains clear and non-intrusive. The small footer keeps the page clean, preventing unnecessary distractions from the login process.</a:t>
-            </a:r>
-          </a:p>
-        </p:txBody>
-      </p:sp>
-      <p:sp>
-        <p:nvSpPr>
-          <p:cNvPr id="4" name="Slide Number Placeholder 3"/>
-          <p:cNvSpPr>
-            <a:spLocks noGrp="1"/>
-          </p:cNvSpPr>
-          <p:nvPr>
-            <p:ph type="sldNum" sz="quarter" idx="5"/>
-          </p:nvPr>
-        </p:nvSpPr>
-        <p:spPr/>
-        <p:txBody>
-          <a:bodyPr/>
-          <a:lstStyle/>
-          <a:p>
-            <a:fld id="{9F4E6292-AA4D-40A9-9791-B76C98E34DC7}" type="slidenum">
-              <a:rPr lang="en-GB" smtClean="0"/>
-              <a:t>13</a:t>
-            </a:fld>
-            <a:endParaRPr lang="en-GB"/>
-          </a:p>
-        </p:txBody>
-      </p:sp>
-    </p:spTree>
-    <p:extLst>
-      <p:ext uri="{BB962C8B-B14F-4D97-AF65-F5344CB8AC3E}">
-        <p14:creationId xmlns:p14="http://schemas.microsoft.com/office/powerpoint/2010/main" val="2612449899"/>
-      </p:ext>
-    </p:extLst>
-  </p:cSld>
-  <p:clrMapOvr>
-    <a:masterClrMapping/>
-  </p:clrMapOvr>
-</p:notes>
-</file>
-
-<file path=ppt/notesSlides/notesSlide14.xml><?xml version="1.0" encoding="utf-8"?>
-<p:notes xmlns:a="http://schemas.openxmlformats.org/drawingml/2006/main" xmlns:r="http://schemas.openxmlformats.org/officeDocument/2006/relationships" xmlns:p="http://schemas.openxmlformats.org/presentationml/2006/main">
-  <p:cSld>
-    <p:spTree>
-      <p:nvGrpSpPr>
-        <p:cNvPr id="1" name=""/>
-        <p:cNvGrpSpPr/>
-        <p:nvPr/>
-      </p:nvGrpSpPr>
-      <p:grpSpPr>
-        <a:xfrm>
-          <a:off x="0" y="0"/>
-          <a:ext cx="0" cy="0"/>
-          <a:chOff x="0" y="0"/>
-          <a:chExt cx="0" cy="0"/>
-        </a:xfrm>
-      </p:grpSpPr>
-      <p:sp>
-        <p:nvSpPr>
-          <p:cNvPr id="2" name="Slide Image Placeholder 1"/>
-          <p:cNvSpPr>
-            <a:spLocks noGrp="1" noRot="1" noChangeAspect="1"/>
-          </p:cNvSpPr>
-          <p:nvPr>
-            <p:ph type="sldImg"/>
-          </p:nvPr>
-        </p:nvSpPr>
-        <p:spPr/>
-      </p:sp>
-      <p:sp>
-        <p:nvSpPr>
-          <p:cNvPr id="3" name="Notes Placeholder 2"/>
-          <p:cNvSpPr>
-            <a:spLocks noGrp="1"/>
-          </p:cNvSpPr>
-          <p:nvPr>
-            <p:ph type="body" idx="1"/>
-          </p:nvPr>
-        </p:nvSpPr>
-        <p:spPr/>
-        <p:txBody>
-          <a:bodyPr/>
-          <a:lstStyle/>
-          <a:p>
-            <a:r>
-              <a:rPr lang="en-GB" dirty="0"/>
-              <a:t>The register form was designed to be structured and easy to navigate, ensuring a smooth user experience. A blurred background effect was used to keep the form readable while maintaining an aesthetically pleasing design. Consistent input field styling ensures a professional and cohesive appearance. Password and confirm password fields are clearly separated, reducing confusion. Sufficient spacing between form elements prevents visual clutter, making the form easier to fill out. The minimal footer ensures the user's attention remains on completing their registration.</a:t>
-            </a:r>
-          </a:p>
-        </p:txBody>
-      </p:sp>
-      <p:sp>
-        <p:nvSpPr>
-          <p:cNvPr id="4" name="Slide Number Placeholder 3"/>
-          <p:cNvSpPr>
-            <a:spLocks noGrp="1"/>
-          </p:cNvSpPr>
-          <p:nvPr>
-            <p:ph type="sldNum" sz="quarter" idx="5"/>
-          </p:nvPr>
-        </p:nvSpPr>
-        <p:spPr/>
-        <p:txBody>
-          <a:bodyPr/>
-          <a:lstStyle/>
-          <a:p>
-            <a:fld id="{9F4E6292-AA4D-40A9-9791-B76C98E34DC7}" type="slidenum">
-              <a:rPr lang="en-GB" smtClean="0"/>
-              <a:t>14</a:t>
             </a:fld>
             <a:endParaRPr lang="en-GB"/>
           </a:p>
@@ -1085,17 +1227,20 @@
           <a:p>
             <a:r>
               <a:rPr lang="en-GB" dirty="0"/>
-              <a:t>The navigation was designed to be a clean and user-friendly, making it easy for users to explore the website.  On desktops, the menu is fully visible for quick access, while on mobiles, a hamburger menu keeps the layout interface tidy. The dark mode toggle was included for accessibility and aesthetic purposes., ensuring the website maintains a sophisticated and visually appealing look in both light and dark mode. The golden yellow active state helps users identify their current page, while the pink hover effect provides visual feedback for interactions. The right-aligned login, sign-up, and dark mode toggle create a well-structured and balanced layout, ensuring clear spacing and easy access to essential features. Dark mode enhances readability in various lighting conditions, contributing to the overall sophisticated aesthetic.</a:t>
-            </a:r>
-          </a:p>
-          <a:p>
-            <a:endParaRPr lang="en-GB" dirty="0"/>
-          </a:p>
-          <a:p>
-            <a:endParaRPr lang="en-GB" dirty="0"/>
-          </a:p>
-          <a:p>
-            <a:endParaRPr lang="en-GB" dirty="0"/>
+              <a:t>I will be presenting my front-end development project for TNK Technologies . I have been tasked with designing and developing a fully responsive and accessible e-commerce website.</a:t>
+            </a:r>
+          </a:p>
+          <a:p>
+            <a:r>
+              <a:rPr lang="en-GB" dirty="0"/>
+              <a:t>House of Perfumes is a luxury fragrance brand and my aim was to create a visually appealing, accessible and user-friendly platform where customers can browse through and purchase perfumes seamlessly. </a:t>
+            </a:r>
+          </a:p>
+          <a:p>
+            <a:r>
+              <a:rPr lang="en-GB" dirty="0"/>
+              <a:t>For the colour palette, I used a combination of a dark purple and golden yellow colour to create a sense of luxury. The website incorporates lighter purples for contrast and readability. </a:t>
+            </a:r>
           </a:p>
         </p:txBody>
       </p:sp>
@@ -1125,7 +1270,7 @@
     </p:spTree>
     <p:extLst>
       <p:ext uri="{BB962C8B-B14F-4D97-AF65-F5344CB8AC3E}">
-        <p14:creationId xmlns:p14="http://schemas.microsoft.com/office/powerpoint/2010/main" val="1685765130"/>
+        <p14:creationId xmlns:p14="http://schemas.microsoft.com/office/powerpoint/2010/main" val="792133394"/>
       </p:ext>
     </p:extLst>
   </p:cSld>
@@ -1181,8 +1326,53 @@
           <a:p>
             <a:r>
               <a:rPr lang="en-GB" dirty="0"/>
-              <a:t>The homepage carousel was designed to be visually immersive, reinforcing the brand’s luxurious feel. On desktop, full-width images create a high-end shopping experience, while on mobile, the layout adapts for optimal viewing. Smooth transitions enhance user experience by making navigation seamless, and minimal text overlay keeps the focus on the high-quality visuals without cluttering the design.</a:t>
-            </a:r>
+              <a:t>This is the home page of the website. At the top, there is a menu that allows users to explore the website. On bigger screens, the menu is fully visible for quick access and on smaller screens. I have incorporated in a hamburger menu which will keep the layout interface tidy. By adding a dark mode toggle, I was able to enhance the readability in various light conditions while maintaining a sophisticated and visual appeal in both light and dark mode. The page the user is on highlights in a golden yellow colour which will help the users to identify their current page. A pink hover effect was also added to provide visual feedback for interactions. </a:t>
+            </a:r>
+            <a:br>
+              <a:rPr lang="en-GB" dirty="0"/>
+            </a:br>
+            <a:r>
+              <a:rPr lang="en-GB" dirty="0"/>
+              <a:t>The home page includes a carousel which showcases the brand slogan and a brief introduction to the perfume collection. I used a carousel to create an engaging and dynamic experience. This allows users to see key brand elements without overwhelming the layout.</a:t>
+            </a:r>
+          </a:p>
+          <a:p>
+            <a:r>
+              <a:rPr lang="en-GB" dirty="0"/>
+              <a:t>Below the carousel, the About Us section introduces users to the brands vision. The text is </a:t>
+            </a:r>
+            <a:r>
+              <a:rPr lang="en-GB" dirty="0" err="1"/>
+              <a:t>centered</a:t>
+            </a:r>
+            <a:r>
+              <a:rPr lang="en-GB" dirty="0"/>
+              <a:t> for readability along with an image of essential perfume ingredients for visual content. This section reinforces the brand’s identity while creating an immersive experience for visitors. </a:t>
+            </a:r>
+          </a:p>
+          <a:p>
+            <a:r>
+              <a:rPr lang="en-GB" dirty="0"/>
+              <a:t>The menu cards provide users with a quick and visually engaging way to explore different section of the website. Each card represents a key category featuring fragrances, gift sets and easy access to customer support along with a clear message.</a:t>
+            </a:r>
+          </a:p>
+          <a:p>
+            <a:r>
+              <a:rPr lang="en-GB" dirty="0"/>
+              <a:t>The footer provides quick access to necessary legal policies and the store location.  The links highlight in a golden yellow when the user hovers over it for visual feedback. A location link is also available. This directs users to the store’s address for easy navigation.</a:t>
+            </a:r>
+          </a:p>
+          <a:p>
+            <a:endParaRPr lang="en-GB" dirty="0"/>
+          </a:p>
+          <a:p>
+            <a:endParaRPr lang="en-GB" dirty="0"/>
+          </a:p>
+          <a:p>
+            <a:endParaRPr lang="en-GB" dirty="0"/>
+          </a:p>
+          <a:p>
+            <a:endParaRPr lang="en-GB" dirty="0"/>
           </a:p>
         </p:txBody>
       </p:sp>
@@ -1212,7 +1402,7 @@
     </p:spTree>
     <p:extLst>
       <p:ext uri="{BB962C8B-B14F-4D97-AF65-F5344CB8AC3E}">
-        <p14:creationId xmlns:p14="http://schemas.microsoft.com/office/powerpoint/2010/main" val="3203757392"/>
+        <p14:creationId xmlns:p14="http://schemas.microsoft.com/office/powerpoint/2010/main" val="4272447185"/>
       </p:ext>
     </p:extLst>
   </p:cSld>
@@ -1268,15 +1458,19 @@
           <a:p>
             <a:r>
               <a:rPr lang="en-GB" dirty="0"/>
-              <a:t>The About Us section is </a:t>
-            </a:r>
-            <a:r>
-              <a:rPr lang="en-GB" dirty="0" err="1"/>
-              <a:t>centered</a:t>
-            </a:r>
+              <a:t>The product listing pages for the For Him , For Her and Gift Sets pages all follow a consistent layout. This provides a seamless shopping experience. Each page features a heading and a subheading that introduces the fragrance collection, clearly defining the category while enhancing the brand’s high-end appeal to encourage users to explore through the perfume collection. </a:t>
+            </a:r>
+          </a:p>
+          <a:p>
             <a:r>
               <a:rPr lang="en-GB" dirty="0"/>
-              <a:t> to ensure it stands out and captures attention. The combination of text and an image creates a balanced, structured layout, making it easy to read. Keeping the text concise prevents overwhelming the user while still sharing key brand details. The neutral background enhances readability and keeps the focus on the content.</a:t>
+              <a:t>Each page displays nine products in a structured grid layout which ensures easy navigation across all categories. Each product card includes a high-quality image, product name and key fragrance notes for individual perfumes or the contents of the gift sets. This helps customers in making informed decisions by showcasing key information.</a:t>
+            </a:r>
+          </a:p>
+          <a:p>
+            <a:r>
+              <a:rPr lang="en-GB" dirty="0"/>
+              <a:t>These pages also maintain the same navigation bar and footer as the home page, thus ensuring a familiar and cohesive browsing experience throughout the website. </a:t>
             </a:r>
           </a:p>
         </p:txBody>
@@ -1307,7 +1501,7 @@
     </p:spTree>
     <p:extLst>
       <p:ext uri="{BB962C8B-B14F-4D97-AF65-F5344CB8AC3E}">
-        <p14:creationId xmlns:p14="http://schemas.microsoft.com/office/powerpoint/2010/main" val="2406056534"/>
+        <p14:creationId xmlns:p14="http://schemas.microsoft.com/office/powerpoint/2010/main" val="2279794233"/>
       </p:ext>
     </p:extLst>
   </p:cSld>
@@ -1363,7 +1557,31 @@
           <a:p>
             <a:r>
               <a:rPr lang="en-GB" dirty="0"/>
-              <a:t>The menu cards were designed to offer a simple and visual way to navigate different product categories. The consistent card sizing ensures a clean and structured look, while minimal text keeps the focus on the product images. This approach makes browsing intuitive, allowing users to quickly find the category they’re interested in. </a:t>
+              <a:t>The product individual pages provide detailed information about each product. This helps customers to make informed purchasing decisions. Each product individual page follows a consistent layout, featuring a high-quality image, product descriptions and pricing details. For individual perfumes, customers can select from three size options. This differs from the gift sets where it does not include a size selection but maintains the same structure. </a:t>
+            </a:r>
+          </a:p>
+          <a:p>
+            <a:r>
+              <a:rPr lang="en-GB" dirty="0"/>
+              <a:t>There is a quantity selector which allows users to adjust their desired amount before adding the product to their basket. </a:t>
+            </a:r>
+          </a:p>
+          <a:p>
+            <a:r>
+              <a:rPr lang="en-GB" dirty="0"/>
+              <a:t>The price dynamically updates based on the selected size and quantity, allowing users to view the total price before checkout. </a:t>
+            </a:r>
+          </a:p>
+          <a:p>
+            <a:r>
+              <a:rPr lang="en-GB" dirty="0"/>
+              <a:t>The “Add to Basket” button allows for seamless cart updates. Once a product has been added to cart, a popup message appears with a confirmation text of how many items has been added to the basket. This allows for a smooth and intuitive shopping process.</a:t>
+            </a:r>
+          </a:p>
+          <a:p>
+            <a:r>
+              <a:rPr lang="en-GB" dirty="0"/>
+              <a:t>The navigation bar and footer remain the same.</a:t>
             </a:r>
           </a:p>
         </p:txBody>
@@ -1394,7 +1612,7 @@
     </p:spTree>
     <p:extLst>
       <p:ext uri="{BB962C8B-B14F-4D97-AF65-F5344CB8AC3E}">
-        <p14:creationId xmlns:p14="http://schemas.microsoft.com/office/powerpoint/2010/main" val="3776524699"/>
+        <p14:creationId xmlns:p14="http://schemas.microsoft.com/office/powerpoint/2010/main" val="1378775261"/>
       </p:ext>
     </p:extLst>
   </p:cSld>
@@ -1450,7 +1668,26 @@
           <a:p>
             <a:r>
               <a:rPr lang="en-GB" dirty="0"/>
-              <a:t>The main footer is designed for accessibility, providing quick access to policies and legal information while maintaining a clean, structured layout. The login/signup footer is intentionally minimalistic, reducing distractions to help users focus on filling out forms. Both footers use a dark background for readability and aesthetic consistency across the website.</a:t>
+              <a:t>The cart page provides users with a clear overview of their selected items, ensuring a smooth checkout process. It displays product images, names, sizes if applicable, unit prices, quantities and total costs in a structured table format. Users can adjust the quantity and the items total price updates dynamically to reflect the changes made. </a:t>
+            </a:r>
+          </a:p>
+          <a:p>
+            <a:r>
+              <a:rPr lang="en-GB" dirty="0"/>
+              <a:t>The “Remove” button allows users to delete items from the cart. </a:t>
+            </a:r>
+            <a:br>
+              <a:rPr lang="en-GB" dirty="0"/>
+            </a:br>
+            <a:r>
+              <a:rPr lang="en-GB" dirty="0"/>
+              <a:t>When an item is removed or the quantity is adjusted, the total price updates automatically. </a:t>
+            </a:r>
+          </a:p>
+          <a:p>
+            <a:r>
+              <a:rPr lang="en-GB" dirty="0"/>
+              <a:t>This ensures a seamless and efficient shopping experience, allowing users to manage their cart with ease before proceeding to checkout.</a:t>
             </a:r>
           </a:p>
         </p:txBody>
@@ -1481,7 +1718,7 @@
     </p:spTree>
     <p:extLst>
       <p:ext uri="{BB962C8B-B14F-4D97-AF65-F5344CB8AC3E}">
-        <p14:creationId xmlns:p14="http://schemas.microsoft.com/office/powerpoint/2010/main" val="1588659454"/>
+        <p14:creationId xmlns:p14="http://schemas.microsoft.com/office/powerpoint/2010/main" val="3114934240"/>
       </p:ext>
     </p:extLst>
   </p:cSld>
@@ -1537,7 +1774,23 @@
           <a:p>
             <a:r>
               <a:rPr lang="en-GB" dirty="0"/>
-              <a:t>The grid layout was chosen to present products in a structured and visually appealing way, making them easier to browse through. Having consistent image sixes maintain a professional and organised look across the page. The product titles and scent notes help users quickly identify key information without needing to click into each product. </a:t>
+              <a:t>The Contact Us Form follows a clean and straightforward design to enhance usability. The </a:t>
+            </a:r>
+            <a:r>
+              <a:rPr lang="en-GB" dirty="0" err="1"/>
+              <a:t>centered</a:t>
+            </a:r>
+            <a:r>
+              <a:rPr lang="en-GB" dirty="0"/>
+              <a:t> layout draws attention to the form. The soft background contrast enhances text visibility without straining the eyes. Well-</a:t>
+            </a:r>
+            <a:r>
+              <a:rPr lang="en-GB" dirty="0" err="1"/>
+              <a:t>labeled</a:t>
+            </a:r>
+            <a:r>
+              <a:rPr lang="en-GB" dirty="0"/>
+              <a:t> fields make filling out the form intuitive, and the styled submit button keeps branding consistent. Proper spacing between form elements improves the overall user experience by maintaining a neat and organized appearance.</a:t>
             </a:r>
           </a:p>
         </p:txBody>
@@ -1568,7 +1821,7 @@
     </p:spTree>
     <p:extLst>
       <p:ext uri="{BB962C8B-B14F-4D97-AF65-F5344CB8AC3E}">
-        <p14:creationId xmlns:p14="http://schemas.microsoft.com/office/powerpoint/2010/main" val="2279794233"/>
+        <p14:creationId xmlns:p14="http://schemas.microsoft.com/office/powerpoint/2010/main" val="1861563597"/>
       </p:ext>
     </p:extLst>
   </p:cSld>
@@ -1624,7 +1877,15 @@
           <a:p>
             <a:r>
               <a:rPr lang="en-GB" dirty="0"/>
-              <a:t>The large product image is the focal point, helping users see the fragrance design in detail. A clear information structure ensures the product name, description and price are easy to read. The size selection and quantity options provide flexibility, improving the shopping experience. The add to basket button is prominent, making it easy for users to proceed with their purchase.</a:t>
+              <a:t>The FAQ section was designed using an accordion format to keep the page organized and clutter-free. Users can expand only the questions they need, making it easier to find relevant information. The consistent styling aligns with the website’s overall aesthetic, ensuring a seamless experience. A </a:t>
+            </a:r>
+            <a:r>
+              <a:rPr lang="en-GB" dirty="0" err="1"/>
+              <a:t>centered</a:t>
+            </a:r>
+            <a:r>
+              <a:rPr lang="en-GB" dirty="0"/>
+              <a:t> layout keeps the section structured, while dark mode compatibility enhances readability across different lighting conditions.</a:t>
             </a:r>
           </a:p>
         </p:txBody>
@@ -1655,7 +1916,7 @@
     </p:spTree>
     <p:extLst>
       <p:ext uri="{BB962C8B-B14F-4D97-AF65-F5344CB8AC3E}">
-        <p14:creationId xmlns:p14="http://schemas.microsoft.com/office/powerpoint/2010/main" val="1378775261"/>
+        <p14:creationId xmlns:p14="http://schemas.microsoft.com/office/powerpoint/2010/main" val="2242309442"/>
       </p:ext>
     </p:extLst>
   </p:cSld>
@@ -1711,7 +1972,7 @@
           <a:p>
             <a:r>
               <a:rPr lang="en-GB" dirty="0"/>
-              <a:t>The table layout keeps the cart organized, allowing users to see all essential details .The quantity adjustment and remove button improve usability, making it easy to manage items before checkout. A clear total price display helps users keep track of costs, while the prominent checkout button guides them to the final purchase stage effortlessly.</a:t>
+              <a:t>The map is fully interactive, allowing users to zoom and move for better navigation. A custom marker featuring the website’s logo highlights the store’s exact location, making it easy to identify. The design remains minimalist, keeping the focus on functionality.</a:t>
             </a:r>
           </a:p>
         </p:txBody>
@@ -1742,7 +2003,7 @@
     </p:spTree>
     <p:extLst>
       <p:ext uri="{BB962C8B-B14F-4D97-AF65-F5344CB8AC3E}">
-        <p14:creationId xmlns:p14="http://schemas.microsoft.com/office/powerpoint/2010/main" val="3114934240"/>
+        <p14:creationId xmlns:p14="http://schemas.microsoft.com/office/powerpoint/2010/main" val="2371149914"/>
       </p:ext>
     </p:extLst>
   </p:cSld>
@@ -1883,7 +2144,7 @@
           <a:p>
             <a:fld id="{846CE7D5-CF57-46EF-B807-FDD0502418D4}" type="datetimeFigureOut">
               <a:rPr lang="en-GB" smtClean="0"/>
-              <a:t>09/02/2025</a:t>
+              <a:t>23/02/2025</a:t>
             </a:fld>
             <a:endParaRPr lang="en-GB"/>
           </a:p>
@@ -2053,7 +2314,7 @@
           <a:p>
             <a:fld id="{846CE7D5-CF57-46EF-B807-FDD0502418D4}" type="datetimeFigureOut">
               <a:rPr lang="en-GB" smtClean="0"/>
-              <a:t>09/02/2025</a:t>
+              <a:t>23/02/2025</a:t>
             </a:fld>
             <a:endParaRPr lang="en-GB"/>
           </a:p>
@@ -2233,7 +2494,7 @@
           <a:p>
             <a:fld id="{846CE7D5-CF57-46EF-B807-FDD0502418D4}" type="datetimeFigureOut">
               <a:rPr lang="en-GB" smtClean="0"/>
-              <a:t>09/02/2025</a:t>
+              <a:t>23/02/2025</a:t>
             </a:fld>
             <a:endParaRPr lang="en-GB"/>
           </a:p>
@@ -2403,7 +2664,7 @@
           <a:p>
             <a:fld id="{846CE7D5-CF57-46EF-B807-FDD0502418D4}" type="datetimeFigureOut">
               <a:rPr lang="en-GB" smtClean="0"/>
-              <a:t>09/02/2025</a:t>
+              <a:t>23/02/2025</a:t>
             </a:fld>
             <a:endParaRPr lang="en-GB"/>
           </a:p>
@@ -2649,7 +2910,7 @@
           <a:p>
             <a:fld id="{846CE7D5-CF57-46EF-B807-FDD0502418D4}" type="datetimeFigureOut">
               <a:rPr lang="en-GB" smtClean="0"/>
-              <a:t>09/02/2025</a:t>
+              <a:t>23/02/2025</a:t>
             </a:fld>
             <a:endParaRPr lang="en-GB"/>
           </a:p>
@@ -2881,7 +3142,7 @@
           <a:p>
             <a:fld id="{846CE7D5-CF57-46EF-B807-FDD0502418D4}" type="datetimeFigureOut">
               <a:rPr lang="en-GB" smtClean="0"/>
-              <a:t>09/02/2025</a:t>
+              <a:t>23/02/2025</a:t>
             </a:fld>
             <a:endParaRPr lang="en-GB"/>
           </a:p>
@@ -3248,7 +3509,7 @@
           <a:p>
             <a:fld id="{846CE7D5-CF57-46EF-B807-FDD0502418D4}" type="datetimeFigureOut">
               <a:rPr lang="en-GB" smtClean="0"/>
-              <a:t>09/02/2025</a:t>
+              <a:t>23/02/2025</a:t>
             </a:fld>
             <a:endParaRPr lang="en-GB"/>
           </a:p>
@@ -3366,7 +3627,7 @@
           <a:p>
             <a:fld id="{846CE7D5-CF57-46EF-B807-FDD0502418D4}" type="datetimeFigureOut">
               <a:rPr lang="en-GB" smtClean="0"/>
-              <a:t>09/02/2025</a:t>
+              <a:t>23/02/2025</a:t>
             </a:fld>
             <a:endParaRPr lang="en-GB"/>
           </a:p>
@@ -3461,7 +3722,7 @@
           <a:p>
             <a:fld id="{846CE7D5-CF57-46EF-B807-FDD0502418D4}" type="datetimeFigureOut">
               <a:rPr lang="en-GB" smtClean="0"/>
-              <a:t>09/02/2025</a:t>
+              <a:t>23/02/2025</a:t>
             </a:fld>
             <a:endParaRPr lang="en-GB"/>
           </a:p>
@@ -3738,7 +3999,7 @@
           <a:p>
             <a:fld id="{846CE7D5-CF57-46EF-B807-FDD0502418D4}" type="datetimeFigureOut">
               <a:rPr lang="en-GB" smtClean="0"/>
-              <a:t>09/02/2025</a:t>
+              <a:t>23/02/2025</a:t>
             </a:fld>
             <a:endParaRPr lang="en-GB"/>
           </a:p>
@@ -3995,7 +4256,7 @@
           <a:p>
             <a:fld id="{846CE7D5-CF57-46EF-B807-FDD0502418D4}" type="datetimeFigureOut">
               <a:rPr lang="en-GB" smtClean="0"/>
-              <a:t>09/02/2025</a:t>
+              <a:t>23/02/2025</a:t>
             </a:fld>
             <a:endParaRPr lang="en-GB"/>
           </a:p>
@@ -4208,7 +4469,7 @@
           <a:p>
             <a:fld id="{846CE7D5-CF57-46EF-B807-FDD0502418D4}" type="datetimeFigureOut">
               <a:rPr lang="en-GB" smtClean="0"/>
-              <a:t>09/02/2025</a:t>
+              <a:t>23/02/2025</a:t>
             </a:fld>
             <a:endParaRPr lang="en-GB"/>
           </a:p>
@@ -4652,8 +4913,17 @@
           <a:p>
             <a:r>
               <a:rPr lang="en-GB" dirty="0"/>
-              <a:t>By Ria Herwadkar</a:t>
-            </a:r>
+              <a:t> Ria Herwadkar</a:t>
+            </a:r>
+          </a:p>
+          <a:p>
+            <a:r>
+              <a:rPr lang="en-GB" dirty="0"/>
+              <a:t>L39773396</a:t>
+            </a:r>
+          </a:p>
+          <a:p>
+            <a:endParaRPr lang="en-GB" dirty="0"/>
           </a:p>
         </p:txBody>
       </p:sp>
@@ -4692,7 +4962,7 @@
           <p:cNvPr id="2" name="Title 1">
             <a:extLst>
               <a:ext uri="{FF2B5EF4-FFF2-40B4-BE49-F238E27FC236}">
-                <a16:creationId xmlns:a16="http://schemas.microsoft.com/office/drawing/2014/main" id="{1DFDA3B7-DA66-860F-DD18-328093CD0DD4}"/>
+                <a16:creationId xmlns:a16="http://schemas.microsoft.com/office/drawing/2014/main" id="{D4E9E6E3-132B-83D8-B767-ABE5F0FEE18B}"/>
               </a:ext>
             </a:extLst>
           </p:cNvPr>
@@ -4710,26 +4980,24 @@
           <a:p>
             <a:r>
               <a:rPr lang="en-GB" dirty="0"/>
-              <a:t>Contact Us Form</a:t>
+              <a:t>Login Form</a:t>
             </a:r>
           </a:p>
         </p:txBody>
       </p:sp>
       <p:pic>
         <p:nvPicPr>
-          <p:cNvPr id="5" name="Content Placeholder 4">
+          <p:cNvPr id="7" name="Picture 6">
             <a:extLst>
               <a:ext uri="{FF2B5EF4-FFF2-40B4-BE49-F238E27FC236}">
-                <a16:creationId xmlns:a16="http://schemas.microsoft.com/office/drawing/2014/main" id="{61669E69-2D36-99A9-AF97-04EE9E053EB1}"/>
+                <a16:creationId xmlns:a16="http://schemas.microsoft.com/office/drawing/2014/main" id="{1EA89688-A79A-B723-47C1-A1F2F8B909A6}"/>
               </a:ext>
             </a:extLst>
           </p:cNvPr>
           <p:cNvPicPr>
-            <a:picLocks noGrp="1" noChangeAspect="1"/>
+            <a:picLocks noChangeAspect="1"/>
           </p:cNvPicPr>
-          <p:nvPr>
-            <p:ph idx="1"/>
-          </p:nvPr>
+          <p:nvPr/>
         </p:nvPicPr>
         <p:blipFill>
           <a:blip r:embed="rId3"/>
@@ -4739,17 +5007,20 @@
         </p:blipFill>
         <p:spPr>
           <a:xfrm>
-            <a:off x="6401978" y="818159"/>
-            <a:ext cx="4951822" cy="5674716"/>
+            <a:off x="8405751" y="68263"/>
+            <a:ext cx="2654135" cy="4884738"/>
           </a:xfrm>
+          <a:prstGeom prst="rect">
+            <a:avLst/>
+          </a:prstGeom>
         </p:spPr>
       </p:pic>
       <p:sp>
         <p:nvSpPr>
-          <p:cNvPr id="6" name="TextBox 5">
+          <p:cNvPr id="8" name="TextBox 7">
             <a:extLst>
               <a:ext uri="{FF2B5EF4-FFF2-40B4-BE49-F238E27FC236}">
-                <a16:creationId xmlns:a16="http://schemas.microsoft.com/office/drawing/2014/main" id="{3405A7D3-24D1-06A6-4529-F25FBE533CFC}"/>
+                <a16:creationId xmlns:a16="http://schemas.microsoft.com/office/drawing/2014/main" id="{FF38D0F6-DF33-525B-3A67-978E9BE54181}"/>
               </a:ext>
             </a:extLst>
           </p:cNvPr>
@@ -4758,8 +5029,8 @@
         </p:nvSpPr>
         <p:spPr>
           <a:xfrm>
-            <a:off x="838200" y="1690688"/>
-            <a:ext cx="4951822" cy="3416320"/>
+            <a:off x="838200" y="1894114"/>
+            <a:ext cx="6368143" cy="2308324"/>
           </a:xfrm>
           <a:prstGeom prst="rect">
             <a:avLst/>
@@ -4774,7 +5045,13 @@
           <a:p>
             <a:r>
               <a:rPr lang="en-GB" dirty="0"/>
-              <a:t>Minimalist Design: Keeps the form clean and easy to read.</a:t>
+              <a:t>Minimalist Layout: Keeps the focus on logging in.</a:t>
+            </a:r>
+          </a:p>
+          <a:p>
+            <a:r>
+              <a:rPr lang="en-GB" dirty="0"/>
+              <a:t>Blurred Background Effect: Enhances readability while maintaining a modern aesthetic.</a:t>
             </a:r>
           </a:p>
           <a:p>
@@ -4784,39 +5061,57 @@
             </a:r>
             <a:r>
               <a:rPr lang="en-GB" dirty="0"/>
-              <a:t> Layout: Draws focus to the form, making it the main point of interaction.</a:t>
+              <a:t> Form: Ensures a structured and balanced look.</a:t>
             </a:r>
           </a:p>
           <a:p>
             <a:r>
               <a:rPr lang="en-GB" dirty="0"/>
-              <a:t>Soft Background Contrast: Ensures readability while maintaining aesthetics.</a:t>
+              <a:t>Protected Password: Improves security without affecting design clarity.</a:t>
             </a:r>
           </a:p>
           <a:p>
             <a:r>
               <a:rPr lang="en-GB" dirty="0"/>
-              <a:t>Clear Field Labels: Helps users understand where to input their details.</a:t>
-            </a:r>
-          </a:p>
-          <a:p>
-            <a:r>
-              <a:rPr lang="en-GB" dirty="0"/>
-              <a:t>Consistent Button Styling: Matches the overall website design for visual cohesion.</a:t>
-            </a:r>
-          </a:p>
-          <a:p>
-            <a:r>
-              <a:rPr lang="en-GB" dirty="0"/>
-              <a:t>Spacing Between Elements: Prevents a cluttered appearance and improves usability.</a:t>
-            </a:r>
-          </a:p>
-        </p:txBody>
-      </p:sp>
+              <a:t>Small Footer: Reduces unnecessary elements to keep the design clean</a:t>
+            </a:r>
+          </a:p>
+        </p:txBody>
+      </p:sp>
+      <p:pic>
+        <p:nvPicPr>
+          <p:cNvPr id="3" name="Picture 2">
+            <a:extLst>
+              <a:ext uri="{FF2B5EF4-FFF2-40B4-BE49-F238E27FC236}">
+                <a16:creationId xmlns:a16="http://schemas.microsoft.com/office/drawing/2014/main" id="{6594EE08-7343-AE33-608D-D351D7C18A5E}"/>
+              </a:ext>
+            </a:extLst>
+          </p:cNvPr>
+          <p:cNvPicPr>
+            <a:picLocks noChangeAspect="1"/>
+          </p:cNvPicPr>
+          <p:nvPr/>
+        </p:nvPicPr>
+        <p:blipFill>
+          <a:blip r:embed="rId4"/>
+          <a:stretch>
+            <a:fillRect/>
+          </a:stretch>
+        </p:blipFill>
+        <p:spPr>
+          <a:xfrm>
+            <a:off x="7206343" y="5156427"/>
+            <a:ext cx="4459092" cy="497361"/>
+          </a:xfrm>
+          <a:prstGeom prst="rect">
+            <a:avLst/>
+          </a:prstGeom>
+        </p:spPr>
+      </p:pic>
     </p:spTree>
     <p:extLst>
       <p:ext uri="{BB962C8B-B14F-4D97-AF65-F5344CB8AC3E}">
-        <p14:creationId xmlns:p14="http://schemas.microsoft.com/office/powerpoint/2010/main" val="1475316422"/>
+        <p14:creationId xmlns:p14="http://schemas.microsoft.com/office/powerpoint/2010/main" val="293854211"/>
       </p:ext>
     </p:extLst>
   </p:cSld>
@@ -4848,6 +5143,1020 @@
           <p:cNvPr id="2" name="Title 1">
             <a:extLst>
               <a:ext uri="{FF2B5EF4-FFF2-40B4-BE49-F238E27FC236}">
+                <a16:creationId xmlns:a16="http://schemas.microsoft.com/office/drawing/2014/main" id="{B7CFC37B-7435-31CA-0A67-F46123780E8D}"/>
+              </a:ext>
+            </a:extLst>
+          </p:cNvPr>
+          <p:cNvSpPr>
+            <a:spLocks noGrp="1"/>
+          </p:cNvSpPr>
+          <p:nvPr>
+            <p:ph type="title"/>
+          </p:nvPr>
+        </p:nvSpPr>
+        <p:spPr/>
+        <p:txBody>
+          <a:bodyPr/>
+          <a:lstStyle/>
+          <a:p>
+            <a:r>
+              <a:rPr lang="en-GB" dirty="0"/>
+              <a:t>Register Form</a:t>
+            </a:r>
+          </a:p>
+        </p:txBody>
+      </p:sp>
+      <p:pic>
+        <p:nvPicPr>
+          <p:cNvPr id="7" name="Picture 6">
+            <a:extLst>
+              <a:ext uri="{FF2B5EF4-FFF2-40B4-BE49-F238E27FC236}">
+                <a16:creationId xmlns:a16="http://schemas.microsoft.com/office/drawing/2014/main" id="{DCFF8A87-D230-F5DE-2E10-78D1F2A097EF}"/>
+              </a:ext>
+            </a:extLst>
+          </p:cNvPr>
+          <p:cNvPicPr>
+            <a:picLocks noChangeAspect="1"/>
+          </p:cNvPicPr>
+          <p:nvPr/>
+        </p:nvPicPr>
+        <p:blipFill>
+          <a:blip r:embed="rId3"/>
+          <a:stretch>
+            <a:fillRect/>
+          </a:stretch>
+        </p:blipFill>
+        <p:spPr>
+          <a:xfrm>
+            <a:off x="8045079" y="365125"/>
+            <a:ext cx="2884178" cy="5994307"/>
+          </a:xfrm>
+          <a:prstGeom prst="rect">
+            <a:avLst/>
+          </a:prstGeom>
+        </p:spPr>
+      </p:pic>
+      <p:sp>
+        <p:nvSpPr>
+          <p:cNvPr id="10" name="TextBox 9">
+            <a:extLst>
+              <a:ext uri="{FF2B5EF4-FFF2-40B4-BE49-F238E27FC236}">
+                <a16:creationId xmlns:a16="http://schemas.microsoft.com/office/drawing/2014/main" id="{755BC373-FFDB-2CAA-2DA4-18A7960D12BA}"/>
+              </a:ext>
+            </a:extLst>
+          </p:cNvPr>
+          <p:cNvSpPr txBox="1"/>
+          <p:nvPr/>
+        </p:nvSpPr>
+        <p:spPr>
+          <a:xfrm>
+            <a:off x="674914" y="1690688"/>
+            <a:ext cx="5987143" cy="3416320"/>
+          </a:xfrm>
+          <a:prstGeom prst="rect">
+            <a:avLst/>
+          </a:prstGeom>
+          <a:noFill/>
+        </p:spPr>
+        <p:txBody>
+          <a:bodyPr wrap="square" rtlCol="0">
+            <a:spAutoFit/>
+          </a:bodyPr>
+          <a:lstStyle/>
+          <a:p>
+            <a:r>
+              <a:rPr lang="en-GB" dirty="0"/>
+              <a:t>Structured &amp; Balanced Layout: Keeps fields organized for readability.</a:t>
+            </a:r>
+          </a:p>
+          <a:p>
+            <a:r>
+              <a:rPr lang="en-GB" dirty="0"/>
+              <a:t>Blurred Background Effect: Improves focus on the form while maintaining aesthetics.</a:t>
+            </a:r>
+          </a:p>
+          <a:p>
+            <a:r>
+              <a:rPr lang="en-GB" dirty="0"/>
+              <a:t>Consistent Input Field Styling: Creates a uniform and professional look.</a:t>
+            </a:r>
+          </a:p>
+          <a:p>
+            <a:r>
+              <a:rPr lang="en-GB" dirty="0"/>
+              <a:t>Password &amp; Confirm Password Fields: Ensures clarity in form completion.</a:t>
+            </a:r>
+          </a:p>
+          <a:p>
+            <a:r>
+              <a:rPr lang="en-GB" dirty="0"/>
+              <a:t>Spacing Between Fields: Prevents clutter and enhances readability.</a:t>
+            </a:r>
+          </a:p>
+          <a:p>
+            <a:r>
+              <a:rPr lang="en-GB" dirty="0"/>
+              <a:t>Minimal Footer: Maintains focus on the registration process.</a:t>
+            </a:r>
+          </a:p>
+        </p:txBody>
+      </p:sp>
+    </p:spTree>
+    <p:extLst>
+      <p:ext uri="{BB962C8B-B14F-4D97-AF65-F5344CB8AC3E}">
+        <p14:creationId xmlns:p14="http://schemas.microsoft.com/office/powerpoint/2010/main" val="2525696976"/>
+      </p:ext>
+    </p:extLst>
+  </p:cSld>
+  <p:clrMapOvr>
+    <a:masterClrMapping/>
+  </p:clrMapOvr>
+</p:sld>
+</file>
+
+<file path=ppt/slides/slide2.xml><?xml version="1.0" encoding="utf-8"?>
+<p:sld xmlns:a="http://schemas.openxmlformats.org/drawingml/2006/main" xmlns:r="http://schemas.openxmlformats.org/officeDocument/2006/relationships" xmlns:p="http://schemas.openxmlformats.org/presentationml/2006/main">
+  <p:cSld>
+    <p:spTree>
+      <p:nvGrpSpPr>
+        <p:cNvPr id="1" name=""/>
+        <p:cNvGrpSpPr/>
+        <p:nvPr/>
+      </p:nvGrpSpPr>
+      <p:grpSpPr>
+        <a:xfrm>
+          <a:off x="0" y="0"/>
+          <a:ext cx="0" cy="0"/>
+          <a:chOff x="0" y="0"/>
+          <a:chExt cx="0" cy="0"/>
+        </a:xfrm>
+      </p:grpSpPr>
+      <p:sp>
+        <p:nvSpPr>
+          <p:cNvPr id="2" name="Title 1">
+            <a:extLst>
+              <a:ext uri="{FF2B5EF4-FFF2-40B4-BE49-F238E27FC236}">
+                <a16:creationId xmlns:a16="http://schemas.microsoft.com/office/drawing/2014/main" id="{54D157CF-6114-5EFC-2771-F0A3E725101D}"/>
+              </a:ext>
+            </a:extLst>
+          </p:cNvPr>
+          <p:cNvSpPr>
+            <a:spLocks noGrp="1"/>
+          </p:cNvSpPr>
+          <p:nvPr>
+            <p:ph type="title"/>
+          </p:nvPr>
+        </p:nvSpPr>
+        <p:spPr/>
+        <p:txBody>
+          <a:bodyPr/>
+          <a:lstStyle/>
+          <a:p>
+            <a:r>
+              <a:rPr lang="en-GB" dirty="0"/>
+              <a:t>Introduction</a:t>
+            </a:r>
+          </a:p>
+        </p:txBody>
+      </p:sp>
+      <p:pic>
+        <p:nvPicPr>
+          <p:cNvPr id="1026" name="Picture 2" descr="A logo of a flower&#10;&#10;Description automatically generated">
+            <a:extLst>
+              <a:ext uri="{FF2B5EF4-FFF2-40B4-BE49-F238E27FC236}">
+                <a16:creationId xmlns:a16="http://schemas.microsoft.com/office/drawing/2014/main" id="{1E115E45-45A5-A185-2AA4-70066984F574}"/>
+              </a:ext>
+            </a:extLst>
+          </p:cNvPr>
+          <p:cNvPicPr>
+            <a:picLocks noGrp="1" noChangeAspect="1" noChangeArrowheads="1"/>
+          </p:cNvPicPr>
+          <p:nvPr>
+            <p:ph idx="1"/>
+          </p:nvPr>
+        </p:nvPicPr>
+        <p:blipFill>
+          <a:blip r:embed="rId3">
+            <a:extLst>
+              <a:ext uri="{28A0092B-C50C-407E-A947-70E740481C1C}">
+                <a14:useLocalDpi xmlns:a14="http://schemas.microsoft.com/office/drawing/2010/main" val="0"/>
+              </a:ext>
+            </a:extLst>
+          </a:blip>
+          <a:srcRect/>
+          <a:stretch>
+            <a:fillRect/>
+          </a:stretch>
+        </p:blipFill>
+        <p:spPr bwMode="auto">
+          <a:xfrm>
+            <a:off x="10405213" y="166660"/>
+            <a:ext cx="1524028" cy="1524028"/>
+          </a:xfrm>
+          <a:prstGeom prst="rect">
+            <a:avLst/>
+          </a:prstGeom>
+          <a:noFill/>
+          <a:extLst>
+            <a:ext uri="{909E8E84-426E-40DD-AFC4-6F175D3DCCD1}">
+              <a14:hiddenFill xmlns:a14="http://schemas.microsoft.com/office/drawing/2010/main">
+                <a:solidFill>
+                  <a:srgbClr val="FFFFFF"/>
+                </a:solidFill>
+              </a14:hiddenFill>
+            </a:ext>
+          </a:extLst>
+        </p:spPr>
+      </p:pic>
+      <p:pic>
+        <p:nvPicPr>
+          <p:cNvPr id="1028" name="Picture 4" descr="A blue background with orange flowers&#10;&#10;Description automatically generated">
+            <a:extLst>
+              <a:ext uri="{FF2B5EF4-FFF2-40B4-BE49-F238E27FC236}">
+                <a16:creationId xmlns:a16="http://schemas.microsoft.com/office/drawing/2014/main" id="{F237B582-CF9E-808F-1C36-51E56097435C}"/>
+              </a:ext>
+            </a:extLst>
+          </p:cNvPr>
+          <p:cNvPicPr>
+            <a:picLocks noChangeAspect="1" noChangeArrowheads="1"/>
+          </p:cNvPicPr>
+          <p:nvPr/>
+        </p:nvPicPr>
+        <p:blipFill>
+          <a:blip r:embed="rId4">
+            <a:extLst>
+              <a:ext uri="{28A0092B-C50C-407E-A947-70E740481C1C}">
+                <a14:useLocalDpi xmlns:a14="http://schemas.microsoft.com/office/drawing/2010/main" val="0"/>
+              </a:ext>
+            </a:extLst>
+          </a:blip>
+          <a:srcRect/>
+          <a:stretch>
+            <a:fillRect/>
+          </a:stretch>
+        </p:blipFill>
+        <p:spPr bwMode="auto">
+          <a:xfrm>
+            <a:off x="528966" y="1991269"/>
+            <a:ext cx="5567034" cy="3131856"/>
+          </a:xfrm>
+          <a:prstGeom prst="rect">
+            <a:avLst/>
+          </a:prstGeom>
+          <a:noFill/>
+          <a:extLst>
+            <a:ext uri="{909E8E84-426E-40DD-AFC4-6F175D3DCCD1}">
+              <a14:hiddenFill xmlns:a14="http://schemas.microsoft.com/office/drawing/2010/main">
+                <a:solidFill>
+                  <a:srgbClr val="FFFFFF"/>
+                </a:solidFill>
+              </a14:hiddenFill>
+            </a:ext>
+          </a:extLst>
+        </p:spPr>
+      </p:pic>
+      <p:pic>
+        <p:nvPicPr>
+          <p:cNvPr id="1032" name="Picture 8" descr="A group of squares with different colors&#10;&#10;AI-generated content may be incorrect.">
+            <a:extLst>
+              <a:ext uri="{FF2B5EF4-FFF2-40B4-BE49-F238E27FC236}">
+                <a16:creationId xmlns:a16="http://schemas.microsoft.com/office/drawing/2014/main" id="{C9840249-E305-B3B7-9797-97139B6AC007}"/>
+              </a:ext>
+            </a:extLst>
+          </p:cNvPr>
+          <p:cNvPicPr>
+            <a:picLocks noChangeAspect="1" noChangeArrowheads="1"/>
+          </p:cNvPicPr>
+          <p:nvPr/>
+        </p:nvPicPr>
+        <p:blipFill>
+          <a:blip r:embed="rId5">
+            <a:extLst>
+              <a:ext uri="{28A0092B-C50C-407E-A947-70E740481C1C}">
+                <a14:useLocalDpi xmlns:a14="http://schemas.microsoft.com/office/drawing/2010/main" val="0"/>
+              </a:ext>
+            </a:extLst>
+          </a:blip>
+          <a:srcRect/>
+          <a:stretch>
+            <a:fillRect/>
+          </a:stretch>
+        </p:blipFill>
+        <p:spPr bwMode="auto">
+          <a:xfrm>
+            <a:off x="6096000" y="1608677"/>
+            <a:ext cx="3897039" cy="3897039"/>
+          </a:xfrm>
+          <a:prstGeom prst="rect">
+            <a:avLst/>
+          </a:prstGeom>
+          <a:noFill/>
+          <a:extLst>
+            <a:ext uri="{909E8E84-426E-40DD-AFC4-6F175D3DCCD1}">
+              <a14:hiddenFill xmlns:a14="http://schemas.microsoft.com/office/drawing/2010/main">
+                <a:solidFill>
+                  <a:srgbClr val="FFFFFF"/>
+                </a:solidFill>
+              </a14:hiddenFill>
+            </a:ext>
+          </a:extLst>
+        </p:spPr>
+      </p:pic>
+    </p:spTree>
+    <p:extLst>
+      <p:ext uri="{BB962C8B-B14F-4D97-AF65-F5344CB8AC3E}">
+        <p14:creationId xmlns:p14="http://schemas.microsoft.com/office/powerpoint/2010/main" val="2995787267"/>
+      </p:ext>
+    </p:extLst>
+  </p:cSld>
+  <p:clrMapOvr>
+    <a:masterClrMapping/>
+  </p:clrMapOvr>
+</p:sld>
+</file>
+
+<file path=ppt/slides/slide3.xml><?xml version="1.0" encoding="utf-8"?>
+<p:sld xmlns:a="http://schemas.openxmlformats.org/drawingml/2006/main" xmlns:r="http://schemas.openxmlformats.org/officeDocument/2006/relationships" xmlns:p="http://schemas.openxmlformats.org/presentationml/2006/main">
+  <p:cSld>
+    <p:spTree>
+      <p:nvGrpSpPr>
+        <p:cNvPr id="1" name=""/>
+        <p:cNvGrpSpPr/>
+        <p:nvPr/>
+      </p:nvGrpSpPr>
+      <p:grpSpPr>
+        <a:xfrm>
+          <a:off x="0" y="0"/>
+          <a:ext cx="0" cy="0"/>
+          <a:chOff x="0" y="0"/>
+          <a:chExt cx="0" cy="0"/>
+        </a:xfrm>
+      </p:grpSpPr>
+      <p:sp>
+        <p:nvSpPr>
+          <p:cNvPr id="2" name="Title 1">
+            <a:extLst>
+              <a:ext uri="{FF2B5EF4-FFF2-40B4-BE49-F238E27FC236}">
+                <a16:creationId xmlns:a16="http://schemas.microsoft.com/office/drawing/2014/main" id="{598D557C-1EAF-3501-7F58-109B0FD32794}"/>
+              </a:ext>
+            </a:extLst>
+          </p:cNvPr>
+          <p:cNvSpPr>
+            <a:spLocks noGrp="1"/>
+          </p:cNvSpPr>
+          <p:nvPr>
+            <p:ph type="title"/>
+          </p:nvPr>
+        </p:nvSpPr>
+        <p:spPr>
+          <a:xfrm>
+            <a:off x="498379" y="288403"/>
+            <a:ext cx="10515600" cy="1325563"/>
+          </a:xfrm>
+        </p:spPr>
+        <p:txBody>
+          <a:bodyPr/>
+          <a:lstStyle/>
+          <a:p>
+            <a:r>
+              <a:rPr lang="en-GB" dirty="0"/>
+              <a:t>Home page</a:t>
+            </a:r>
+          </a:p>
+        </p:txBody>
+      </p:sp>
+      <p:pic>
+        <p:nvPicPr>
+          <p:cNvPr id="7" name="Content Placeholder 6">
+            <a:extLst>
+              <a:ext uri="{FF2B5EF4-FFF2-40B4-BE49-F238E27FC236}">
+                <a16:creationId xmlns:a16="http://schemas.microsoft.com/office/drawing/2014/main" id="{36FBBBCD-67E5-BF88-9BC6-65D94931FBAF}"/>
+              </a:ext>
+            </a:extLst>
+          </p:cNvPr>
+          <p:cNvPicPr>
+            <a:picLocks noGrp="1" noChangeAspect="1"/>
+          </p:cNvPicPr>
+          <p:nvPr>
+            <p:ph idx="1"/>
+          </p:nvPr>
+        </p:nvPicPr>
+        <p:blipFill>
+          <a:blip r:embed="rId3"/>
+          <a:stretch>
+            <a:fillRect/>
+          </a:stretch>
+        </p:blipFill>
+        <p:spPr>
+          <a:xfrm>
+            <a:off x="8414825" y="684066"/>
+            <a:ext cx="3629781" cy="4955630"/>
+          </a:xfrm>
+        </p:spPr>
+      </p:pic>
+      <p:pic>
+        <p:nvPicPr>
+          <p:cNvPr id="10" name="Picture 9">
+            <a:extLst>
+              <a:ext uri="{FF2B5EF4-FFF2-40B4-BE49-F238E27FC236}">
+                <a16:creationId xmlns:a16="http://schemas.microsoft.com/office/drawing/2014/main" id="{DB38731B-03CC-714C-8234-D8CD26ABD4EA}"/>
+              </a:ext>
+            </a:extLst>
+          </p:cNvPr>
+          <p:cNvPicPr>
+            <a:picLocks noChangeAspect="1"/>
+          </p:cNvPicPr>
+          <p:nvPr/>
+        </p:nvPicPr>
+        <p:blipFill>
+          <a:blip r:embed="rId4"/>
+          <a:stretch>
+            <a:fillRect/>
+          </a:stretch>
+        </p:blipFill>
+        <p:spPr>
+          <a:xfrm>
+            <a:off x="5382133" y="684066"/>
+            <a:ext cx="2800682" cy="4955630"/>
+          </a:xfrm>
+          <a:prstGeom prst="rect">
+            <a:avLst/>
+          </a:prstGeom>
+        </p:spPr>
+      </p:pic>
+      <p:pic>
+        <p:nvPicPr>
+          <p:cNvPr id="12" name="Picture 11">
+            <a:extLst>
+              <a:ext uri="{FF2B5EF4-FFF2-40B4-BE49-F238E27FC236}">
+                <a16:creationId xmlns:a16="http://schemas.microsoft.com/office/drawing/2014/main" id="{4E7F7980-B4C7-42DA-28A3-E89424BA4F7A}"/>
+              </a:ext>
+            </a:extLst>
+          </p:cNvPr>
+          <p:cNvPicPr>
+            <a:picLocks noChangeAspect="1"/>
+          </p:cNvPicPr>
+          <p:nvPr/>
+        </p:nvPicPr>
+        <p:blipFill>
+          <a:blip r:embed="rId5"/>
+          <a:stretch>
+            <a:fillRect/>
+          </a:stretch>
+        </p:blipFill>
+        <p:spPr>
+          <a:xfrm>
+            <a:off x="5502728" y="5824742"/>
+            <a:ext cx="6362263" cy="698383"/>
+          </a:xfrm>
+          <a:prstGeom prst="rect">
+            <a:avLst/>
+          </a:prstGeom>
+        </p:spPr>
+      </p:pic>
+    </p:spTree>
+    <p:extLst>
+      <p:ext uri="{BB962C8B-B14F-4D97-AF65-F5344CB8AC3E}">
+        <p14:creationId xmlns:p14="http://schemas.microsoft.com/office/powerpoint/2010/main" val="3086584591"/>
+      </p:ext>
+    </p:extLst>
+  </p:cSld>
+  <p:clrMapOvr>
+    <a:masterClrMapping/>
+  </p:clrMapOvr>
+</p:sld>
+</file>
+
+<file path=ppt/slides/slide4.xml><?xml version="1.0" encoding="utf-8"?>
+<p:sld xmlns:a="http://schemas.openxmlformats.org/drawingml/2006/main" xmlns:r="http://schemas.openxmlformats.org/officeDocument/2006/relationships" xmlns:p="http://schemas.openxmlformats.org/presentationml/2006/main">
+  <p:cSld>
+    <p:spTree>
+      <p:nvGrpSpPr>
+        <p:cNvPr id="1" name=""/>
+        <p:cNvGrpSpPr/>
+        <p:nvPr/>
+      </p:nvGrpSpPr>
+      <p:grpSpPr>
+        <a:xfrm>
+          <a:off x="0" y="0"/>
+          <a:ext cx="0" cy="0"/>
+          <a:chOff x="0" y="0"/>
+          <a:chExt cx="0" cy="0"/>
+        </a:xfrm>
+      </p:grpSpPr>
+      <p:sp>
+        <p:nvSpPr>
+          <p:cNvPr id="2" name="Title 1">
+            <a:extLst>
+              <a:ext uri="{FF2B5EF4-FFF2-40B4-BE49-F238E27FC236}">
+                <a16:creationId xmlns:a16="http://schemas.microsoft.com/office/drawing/2014/main" id="{952ECE5F-DF6D-4B5B-AAED-E6D19F070176}"/>
+              </a:ext>
+            </a:extLst>
+          </p:cNvPr>
+          <p:cNvSpPr>
+            <a:spLocks noGrp="1"/>
+          </p:cNvSpPr>
+          <p:nvPr>
+            <p:ph type="title"/>
+          </p:nvPr>
+        </p:nvSpPr>
+        <p:spPr/>
+        <p:txBody>
+          <a:bodyPr/>
+          <a:lstStyle/>
+          <a:p>
+            <a:r>
+              <a:rPr lang="en-GB" dirty="0"/>
+              <a:t>Product Listings</a:t>
+            </a:r>
+          </a:p>
+        </p:txBody>
+      </p:sp>
+      <p:pic>
+        <p:nvPicPr>
+          <p:cNvPr id="5" name="Content Placeholder 4">
+            <a:extLst>
+              <a:ext uri="{FF2B5EF4-FFF2-40B4-BE49-F238E27FC236}">
+                <a16:creationId xmlns:a16="http://schemas.microsoft.com/office/drawing/2014/main" id="{48E5EA02-98A4-3959-F328-9BF6992833AF}"/>
+              </a:ext>
+            </a:extLst>
+          </p:cNvPr>
+          <p:cNvPicPr>
+            <a:picLocks noGrp="1" noChangeAspect="1"/>
+          </p:cNvPicPr>
+          <p:nvPr>
+            <p:ph idx="1"/>
+          </p:nvPr>
+        </p:nvPicPr>
+        <p:blipFill>
+          <a:blip r:embed="rId3"/>
+          <a:stretch>
+            <a:fillRect/>
+          </a:stretch>
+        </p:blipFill>
+        <p:spPr>
+          <a:xfrm>
+            <a:off x="151036" y="3742266"/>
+            <a:ext cx="3836755" cy="2373419"/>
+          </a:xfrm>
+        </p:spPr>
+      </p:pic>
+      <p:pic>
+        <p:nvPicPr>
+          <p:cNvPr id="11" name="Picture 10">
+            <a:extLst>
+              <a:ext uri="{FF2B5EF4-FFF2-40B4-BE49-F238E27FC236}">
+                <a16:creationId xmlns:a16="http://schemas.microsoft.com/office/drawing/2014/main" id="{185C8DCC-2E17-17BA-25F9-7E9EA0B2D76C}"/>
+              </a:ext>
+            </a:extLst>
+          </p:cNvPr>
+          <p:cNvPicPr>
+            <a:picLocks noChangeAspect="1"/>
+          </p:cNvPicPr>
+          <p:nvPr/>
+        </p:nvPicPr>
+        <p:blipFill>
+          <a:blip r:embed="rId4"/>
+          <a:stretch>
+            <a:fillRect/>
+          </a:stretch>
+        </p:blipFill>
+        <p:spPr>
+          <a:xfrm>
+            <a:off x="4136072" y="3742267"/>
+            <a:ext cx="3948694" cy="2373418"/>
+          </a:xfrm>
+          <a:prstGeom prst="rect">
+            <a:avLst/>
+          </a:prstGeom>
+        </p:spPr>
+      </p:pic>
+      <p:pic>
+        <p:nvPicPr>
+          <p:cNvPr id="13" name="Picture 12">
+            <a:extLst>
+              <a:ext uri="{FF2B5EF4-FFF2-40B4-BE49-F238E27FC236}">
+                <a16:creationId xmlns:a16="http://schemas.microsoft.com/office/drawing/2014/main" id="{88B057E6-3C65-ED45-ACA0-D2A50B4C8336}"/>
+              </a:ext>
+            </a:extLst>
+          </p:cNvPr>
+          <p:cNvPicPr>
+            <a:picLocks noChangeAspect="1"/>
+          </p:cNvPicPr>
+          <p:nvPr/>
+        </p:nvPicPr>
+        <p:blipFill>
+          <a:blip r:embed="rId5"/>
+          <a:stretch>
+            <a:fillRect/>
+          </a:stretch>
+        </p:blipFill>
+        <p:spPr>
+          <a:xfrm>
+            <a:off x="8204210" y="3742267"/>
+            <a:ext cx="3948633" cy="2373418"/>
+          </a:xfrm>
+          <a:prstGeom prst="rect">
+            <a:avLst/>
+          </a:prstGeom>
+        </p:spPr>
+      </p:pic>
+    </p:spTree>
+    <p:extLst>
+      <p:ext uri="{BB962C8B-B14F-4D97-AF65-F5344CB8AC3E}">
+        <p14:creationId xmlns:p14="http://schemas.microsoft.com/office/powerpoint/2010/main" val="1640100418"/>
+      </p:ext>
+    </p:extLst>
+  </p:cSld>
+  <p:clrMapOvr>
+    <a:masterClrMapping/>
+  </p:clrMapOvr>
+</p:sld>
+</file>
+
+<file path=ppt/slides/slide5.xml><?xml version="1.0" encoding="utf-8"?>
+<p:sld xmlns:a="http://schemas.openxmlformats.org/drawingml/2006/main" xmlns:r="http://schemas.openxmlformats.org/officeDocument/2006/relationships" xmlns:p="http://schemas.openxmlformats.org/presentationml/2006/main">
+  <p:cSld>
+    <p:spTree>
+      <p:nvGrpSpPr>
+        <p:cNvPr id="1" name=""/>
+        <p:cNvGrpSpPr/>
+        <p:nvPr/>
+      </p:nvGrpSpPr>
+      <p:grpSpPr>
+        <a:xfrm>
+          <a:off x="0" y="0"/>
+          <a:ext cx="0" cy="0"/>
+          <a:chOff x="0" y="0"/>
+          <a:chExt cx="0" cy="0"/>
+        </a:xfrm>
+      </p:grpSpPr>
+      <p:sp>
+        <p:nvSpPr>
+          <p:cNvPr id="2" name="Title 1">
+            <a:extLst>
+              <a:ext uri="{FF2B5EF4-FFF2-40B4-BE49-F238E27FC236}">
+                <a16:creationId xmlns:a16="http://schemas.microsoft.com/office/drawing/2014/main" id="{79F00D6C-10A0-7AF4-4DF4-1CAED8E50D06}"/>
+              </a:ext>
+            </a:extLst>
+          </p:cNvPr>
+          <p:cNvSpPr>
+            <a:spLocks noGrp="1"/>
+          </p:cNvSpPr>
+          <p:nvPr>
+            <p:ph type="title"/>
+          </p:nvPr>
+        </p:nvSpPr>
+        <p:spPr/>
+        <p:txBody>
+          <a:bodyPr/>
+          <a:lstStyle/>
+          <a:p>
+            <a:r>
+              <a:rPr lang="en-GB" dirty="0"/>
+              <a:t>Product Individual Page</a:t>
+            </a:r>
+          </a:p>
+        </p:txBody>
+      </p:sp>
+      <p:pic>
+        <p:nvPicPr>
+          <p:cNvPr id="4" name="Picture 3">
+            <a:extLst>
+              <a:ext uri="{FF2B5EF4-FFF2-40B4-BE49-F238E27FC236}">
+                <a16:creationId xmlns:a16="http://schemas.microsoft.com/office/drawing/2014/main" id="{5A1C3EB7-9A23-AF28-540F-66272AB29D73}"/>
+              </a:ext>
+            </a:extLst>
+          </p:cNvPr>
+          <p:cNvPicPr>
+            <a:picLocks noChangeAspect="1"/>
+          </p:cNvPicPr>
+          <p:nvPr/>
+        </p:nvPicPr>
+        <p:blipFill>
+          <a:blip r:embed="rId3"/>
+          <a:stretch>
+            <a:fillRect/>
+          </a:stretch>
+        </p:blipFill>
+        <p:spPr>
+          <a:xfrm>
+            <a:off x="6258193" y="4449364"/>
+            <a:ext cx="4947418" cy="2319637"/>
+          </a:xfrm>
+          <a:prstGeom prst="rect">
+            <a:avLst/>
+          </a:prstGeom>
+        </p:spPr>
+      </p:pic>
+      <p:pic>
+        <p:nvPicPr>
+          <p:cNvPr id="9" name="Picture 8">
+            <a:extLst>
+              <a:ext uri="{FF2B5EF4-FFF2-40B4-BE49-F238E27FC236}">
+                <a16:creationId xmlns:a16="http://schemas.microsoft.com/office/drawing/2014/main" id="{0ECEC315-76AE-10EF-7A62-8B3F3FF47B1E}"/>
+              </a:ext>
+            </a:extLst>
+          </p:cNvPr>
+          <p:cNvPicPr>
+            <a:picLocks noChangeAspect="1"/>
+          </p:cNvPicPr>
+          <p:nvPr/>
+        </p:nvPicPr>
+        <p:blipFill>
+          <a:blip r:embed="rId4"/>
+          <a:stretch>
+            <a:fillRect/>
+          </a:stretch>
+        </p:blipFill>
+        <p:spPr>
+          <a:xfrm>
+            <a:off x="6258193" y="1816957"/>
+            <a:ext cx="4696988" cy="2506138"/>
+          </a:xfrm>
+          <a:prstGeom prst="rect">
+            <a:avLst/>
+          </a:prstGeom>
+        </p:spPr>
+      </p:pic>
+    </p:spTree>
+    <p:extLst>
+      <p:ext uri="{BB962C8B-B14F-4D97-AF65-F5344CB8AC3E}">
+        <p14:creationId xmlns:p14="http://schemas.microsoft.com/office/powerpoint/2010/main" val="4084590639"/>
+      </p:ext>
+    </p:extLst>
+  </p:cSld>
+  <p:clrMapOvr>
+    <a:masterClrMapping/>
+  </p:clrMapOvr>
+</p:sld>
+</file>
+
+<file path=ppt/slides/slide6.xml><?xml version="1.0" encoding="utf-8"?>
+<p:sld xmlns:a="http://schemas.openxmlformats.org/drawingml/2006/main" xmlns:r="http://schemas.openxmlformats.org/officeDocument/2006/relationships" xmlns:p="http://schemas.openxmlformats.org/presentationml/2006/main">
+  <p:cSld>
+    <p:spTree>
+      <p:nvGrpSpPr>
+        <p:cNvPr id="1" name=""/>
+        <p:cNvGrpSpPr/>
+        <p:nvPr/>
+      </p:nvGrpSpPr>
+      <p:grpSpPr>
+        <a:xfrm>
+          <a:off x="0" y="0"/>
+          <a:ext cx="0" cy="0"/>
+          <a:chOff x="0" y="0"/>
+          <a:chExt cx="0" cy="0"/>
+        </a:xfrm>
+      </p:grpSpPr>
+      <p:sp>
+        <p:nvSpPr>
+          <p:cNvPr id="2" name="Title 1">
+            <a:extLst>
+              <a:ext uri="{FF2B5EF4-FFF2-40B4-BE49-F238E27FC236}">
+                <a16:creationId xmlns:a16="http://schemas.microsoft.com/office/drawing/2014/main" id="{070DFC5C-A13C-A0D8-047F-A74D3A3C4EFB}"/>
+              </a:ext>
+            </a:extLst>
+          </p:cNvPr>
+          <p:cNvSpPr>
+            <a:spLocks noGrp="1"/>
+          </p:cNvSpPr>
+          <p:nvPr>
+            <p:ph type="title"/>
+          </p:nvPr>
+        </p:nvSpPr>
+        <p:spPr/>
+        <p:txBody>
+          <a:bodyPr/>
+          <a:lstStyle/>
+          <a:p>
+            <a:r>
+              <a:rPr lang="en-GB" dirty="0"/>
+              <a:t>Cart</a:t>
+            </a:r>
+          </a:p>
+        </p:txBody>
+      </p:sp>
+      <p:pic>
+        <p:nvPicPr>
+          <p:cNvPr id="5" name="Content Placeholder 4">
+            <a:extLst>
+              <a:ext uri="{FF2B5EF4-FFF2-40B4-BE49-F238E27FC236}">
+                <a16:creationId xmlns:a16="http://schemas.microsoft.com/office/drawing/2014/main" id="{BF5A991B-90BD-C5D9-F5A9-5A32127E3572}"/>
+              </a:ext>
+            </a:extLst>
+          </p:cNvPr>
+          <p:cNvPicPr>
+            <a:picLocks noGrp="1" noChangeAspect="1"/>
+          </p:cNvPicPr>
+          <p:nvPr>
+            <p:ph idx="1"/>
+          </p:nvPr>
+        </p:nvPicPr>
+        <p:blipFill>
+          <a:blip r:embed="rId3"/>
+          <a:stretch>
+            <a:fillRect/>
+          </a:stretch>
+        </p:blipFill>
+        <p:spPr>
+          <a:xfrm>
+            <a:off x="838200" y="3669383"/>
+            <a:ext cx="7615796" cy="2823492"/>
+          </a:xfrm>
+        </p:spPr>
+      </p:pic>
+    </p:spTree>
+    <p:extLst>
+      <p:ext uri="{BB962C8B-B14F-4D97-AF65-F5344CB8AC3E}">
+        <p14:creationId xmlns:p14="http://schemas.microsoft.com/office/powerpoint/2010/main" val="3280548910"/>
+      </p:ext>
+    </p:extLst>
+  </p:cSld>
+  <p:clrMapOvr>
+    <a:masterClrMapping/>
+  </p:clrMapOvr>
+</p:sld>
+</file>
+
+<file path=ppt/slides/slide7.xml><?xml version="1.0" encoding="utf-8"?>
+<p:sld xmlns:a="http://schemas.openxmlformats.org/drawingml/2006/main" xmlns:r="http://schemas.openxmlformats.org/officeDocument/2006/relationships" xmlns:p="http://schemas.openxmlformats.org/presentationml/2006/main">
+  <p:cSld>
+    <p:spTree>
+      <p:nvGrpSpPr>
+        <p:cNvPr id="1" name=""/>
+        <p:cNvGrpSpPr/>
+        <p:nvPr/>
+      </p:nvGrpSpPr>
+      <p:grpSpPr>
+        <a:xfrm>
+          <a:off x="0" y="0"/>
+          <a:ext cx="0" cy="0"/>
+          <a:chOff x="0" y="0"/>
+          <a:chExt cx="0" cy="0"/>
+        </a:xfrm>
+      </p:grpSpPr>
+      <p:sp>
+        <p:nvSpPr>
+          <p:cNvPr id="2" name="Title 1">
+            <a:extLst>
+              <a:ext uri="{FF2B5EF4-FFF2-40B4-BE49-F238E27FC236}">
+                <a16:creationId xmlns:a16="http://schemas.microsoft.com/office/drawing/2014/main" id="{1DFDA3B7-DA66-860F-DD18-328093CD0DD4}"/>
+              </a:ext>
+            </a:extLst>
+          </p:cNvPr>
+          <p:cNvSpPr>
+            <a:spLocks noGrp="1"/>
+          </p:cNvSpPr>
+          <p:nvPr>
+            <p:ph type="title"/>
+          </p:nvPr>
+        </p:nvSpPr>
+        <p:spPr/>
+        <p:txBody>
+          <a:bodyPr/>
+          <a:lstStyle/>
+          <a:p>
+            <a:r>
+              <a:rPr lang="en-GB" dirty="0"/>
+              <a:t>Contact Us Form</a:t>
+            </a:r>
+          </a:p>
+        </p:txBody>
+      </p:sp>
+      <p:pic>
+        <p:nvPicPr>
+          <p:cNvPr id="5" name="Content Placeholder 4">
+            <a:extLst>
+              <a:ext uri="{FF2B5EF4-FFF2-40B4-BE49-F238E27FC236}">
+                <a16:creationId xmlns:a16="http://schemas.microsoft.com/office/drawing/2014/main" id="{61669E69-2D36-99A9-AF97-04EE9E053EB1}"/>
+              </a:ext>
+            </a:extLst>
+          </p:cNvPr>
+          <p:cNvPicPr>
+            <a:picLocks noGrp="1" noChangeAspect="1"/>
+          </p:cNvPicPr>
+          <p:nvPr>
+            <p:ph idx="1"/>
+          </p:nvPr>
+        </p:nvPicPr>
+        <p:blipFill>
+          <a:blip r:embed="rId3"/>
+          <a:stretch>
+            <a:fillRect/>
+          </a:stretch>
+        </p:blipFill>
+        <p:spPr>
+          <a:xfrm>
+            <a:off x="6401978" y="818159"/>
+            <a:ext cx="4951822" cy="5674716"/>
+          </a:xfrm>
+        </p:spPr>
+      </p:pic>
+      <p:sp>
+        <p:nvSpPr>
+          <p:cNvPr id="6" name="TextBox 5">
+            <a:extLst>
+              <a:ext uri="{FF2B5EF4-FFF2-40B4-BE49-F238E27FC236}">
+                <a16:creationId xmlns:a16="http://schemas.microsoft.com/office/drawing/2014/main" id="{3405A7D3-24D1-06A6-4529-F25FBE533CFC}"/>
+              </a:ext>
+            </a:extLst>
+          </p:cNvPr>
+          <p:cNvSpPr txBox="1"/>
+          <p:nvPr/>
+        </p:nvSpPr>
+        <p:spPr>
+          <a:xfrm>
+            <a:off x="838200" y="1690688"/>
+            <a:ext cx="4951822" cy="3416320"/>
+          </a:xfrm>
+          <a:prstGeom prst="rect">
+            <a:avLst/>
+          </a:prstGeom>
+          <a:noFill/>
+        </p:spPr>
+        <p:txBody>
+          <a:bodyPr wrap="square" rtlCol="0">
+            <a:spAutoFit/>
+          </a:bodyPr>
+          <a:lstStyle/>
+          <a:p>
+            <a:r>
+              <a:rPr lang="en-GB" dirty="0"/>
+              <a:t>Minimalist Design: Keeps the form clean and easy to read.</a:t>
+            </a:r>
+          </a:p>
+          <a:p>
+            <a:r>
+              <a:rPr lang="en-GB" dirty="0" err="1"/>
+              <a:t>Centered</a:t>
+            </a:r>
+            <a:r>
+              <a:rPr lang="en-GB" dirty="0"/>
+              <a:t> Layout: Draws focus to the form, making it the main point of interaction.</a:t>
+            </a:r>
+          </a:p>
+          <a:p>
+            <a:r>
+              <a:rPr lang="en-GB" dirty="0"/>
+              <a:t>Soft Background Contrast: Ensures readability while maintaining aesthetics.</a:t>
+            </a:r>
+          </a:p>
+          <a:p>
+            <a:r>
+              <a:rPr lang="en-GB" dirty="0"/>
+              <a:t>Clear Field Labels: Helps users understand where to input their details.</a:t>
+            </a:r>
+          </a:p>
+          <a:p>
+            <a:r>
+              <a:rPr lang="en-GB" dirty="0"/>
+              <a:t>Consistent Button Styling: Matches the overall website design for visual cohesion.</a:t>
+            </a:r>
+          </a:p>
+          <a:p>
+            <a:r>
+              <a:rPr lang="en-GB" dirty="0"/>
+              <a:t>Spacing Between Elements: Prevents a cluttered appearance and improves usability.</a:t>
+            </a:r>
+          </a:p>
+        </p:txBody>
+      </p:sp>
+    </p:spTree>
+    <p:extLst>
+      <p:ext uri="{BB962C8B-B14F-4D97-AF65-F5344CB8AC3E}">
+        <p14:creationId xmlns:p14="http://schemas.microsoft.com/office/powerpoint/2010/main" val="1475316422"/>
+      </p:ext>
+    </p:extLst>
+  </p:cSld>
+  <p:clrMapOvr>
+    <a:masterClrMapping/>
+  </p:clrMapOvr>
+</p:sld>
+</file>
+
+<file path=ppt/slides/slide8.xml><?xml version="1.0" encoding="utf-8"?>
+<p:sld xmlns:a="http://schemas.openxmlformats.org/drawingml/2006/main" xmlns:r="http://schemas.openxmlformats.org/officeDocument/2006/relationships" xmlns:p="http://schemas.openxmlformats.org/presentationml/2006/main">
+  <p:cSld>
+    <p:spTree>
+      <p:nvGrpSpPr>
+        <p:cNvPr id="1" name=""/>
+        <p:cNvGrpSpPr/>
+        <p:nvPr/>
+      </p:nvGrpSpPr>
+      <p:grpSpPr>
+        <a:xfrm>
+          <a:off x="0" y="0"/>
+          <a:ext cx="0" cy="0"/>
+          <a:chOff x="0" y="0"/>
+          <a:chExt cx="0" cy="0"/>
+        </a:xfrm>
+      </p:grpSpPr>
+      <p:sp>
+        <p:nvSpPr>
+          <p:cNvPr id="2" name="Title 1">
+            <a:extLst>
+              <a:ext uri="{FF2B5EF4-FFF2-40B4-BE49-F238E27FC236}">
                 <a16:creationId xmlns:a16="http://schemas.microsoft.com/office/drawing/2014/main" id="{E282258B-994B-E224-526C-9AD378DBAC01}"/>
               </a:ext>
             </a:extLst>
@@ -4970,7 +6279,7 @@
 </p:sld>
 </file>
 
-<file path=ppt/slides/slide12.xml><?xml version="1.0" encoding="utf-8"?>
+<file path=ppt/slides/slide9.xml><?xml version="1.0" encoding="utf-8"?>
 <p:sld xmlns:a="http://schemas.openxmlformats.org/drawingml/2006/main" xmlns:r="http://schemas.openxmlformats.org/officeDocument/2006/relationships" xmlns:p="http://schemas.openxmlformats.org/presentationml/2006/main">
   <p:cSld>
     <p:spTree>
@@ -5096,1674 +6405,6 @@
     <p:extLst>
       <p:ext uri="{BB962C8B-B14F-4D97-AF65-F5344CB8AC3E}">
         <p14:creationId xmlns:p14="http://schemas.microsoft.com/office/powerpoint/2010/main" val="3307129807"/>
-      </p:ext>
-    </p:extLst>
-  </p:cSld>
-  <p:clrMapOvr>
-    <a:masterClrMapping/>
-  </p:clrMapOvr>
-</p:sld>
-</file>
-
-<file path=ppt/slides/slide13.xml><?xml version="1.0" encoding="utf-8"?>
-<p:sld xmlns:a="http://schemas.openxmlformats.org/drawingml/2006/main" xmlns:r="http://schemas.openxmlformats.org/officeDocument/2006/relationships" xmlns:p="http://schemas.openxmlformats.org/presentationml/2006/main">
-  <p:cSld>
-    <p:spTree>
-      <p:nvGrpSpPr>
-        <p:cNvPr id="1" name=""/>
-        <p:cNvGrpSpPr/>
-        <p:nvPr/>
-      </p:nvGrpSpPr>
-      <p:grpSpPr>
-        <a:xfrm>
-          <a:off x="0" y="0"/>
-          <a:ext cx="0" cy="0"/>
-          <a:chOff x="0" y="0"/>
-          <a:chExt cx="0" cy="0"/>
-        </a:xfrm>
-      </p:grpSpPr>
-      <p:sp>
-        <p:nvSpPr>
-          <p:cNvPr id="2" name="Title 1">
-            <a:extLst>
-              <a:ext uri="{FF2B5EF4-FFF2-40B4-BE49-F238E27FC236}">
-                <a16:creationId xmlns:a16="http://schemas.microsoft.com/office/drawing/2014/main" id="{D4E9E6E3-132B-83D8-B767-ABE5F0FEE18B}"/>
-              </a:ext>
-            </a:extLst>
-          </p:cNvPr>
-          <p:cNvSpPr>
-            <a:spLocks noGrp="1"/>
-          </p:cNvSpPr>
-          <p:nvPr>
-            <p:ph type="title"/>
-          </p:nvPr>
-        </p:nvSpPr>
-        <p:spPr/>
-        <p:txBody>
-          <a:bodyPr/>
-          <a:lstStyle/>
-          <a:p>
-            <a:r>
-              <a:rPr lang="en-GB" dirty="0"/>
-              <a:t>Login Form</a:t>
-            </a:r>
-          </a:p>
-        </p:txBody>
-      </p:sp>
-      <p:pic>
-        <p:nvPicPr>
-          <p:cNvPr id="7" name="Picture 6">
-            <a:extLst>
-              <a:ext uri="{FF2B5EF4-FFF2-40B4-BE49-F238E27FC236}">
-                <a16:creationId xmlns:a16="http://schemas.microsoft.com/office/drawing/2014/main" id="{1EA89688-A79A-B723-47C1-A1F2F8B909A6}"/>
-              </a:ext>
-            </a:extLst>
-          </p:cNvPr>
-          <p:cNvPicPr>
-            <a:picLocks noChangeAspect="1"/>
-          </p:cNvPicPr>
-          <p:nvPr/>
-        </p:nvPicPr>
-        <p:blipFill>
-          <a:blip r:embed="rId3"/>
-          <a:stretch>
-            <a:fillRect/>
-          </a:stretch>
-        </p:blipFill>
-        <p:spPr>
-          <a:xfrm>
-            <a:off x="8195307" y="590324"/>
-            <a:ext cx="3158493" cy="5812971"/>
-          </a:xfrm>
-          <a:prstGeom prst="rect">
-            <a:avLst/>
-          </a:prstGeom>
-        </p:spPr>
-      </p:pic>
-      <p:sp>
-        <p:nvSpPr>
-          <p:cNvPr id="8" name="TextBox 7">
-            <a:extLst>
-              <a:ext uri="{FF2B5EF4-FFF2-40B4-BE49-F238E27FC236}">
-                <a16:creationId xmlns:a16="http://schemas.microsoft.com/office/drawing/2014/main" id="{FF38D0F6-DF33-525B-3A67-978E9BE54181}"/>
-              </a:ext>
-            </a:extLst>
-          </p:cNvPr>
-          <p:cNvSpPr txBox="1"/>
-          <p:nvPr/>
-        </p:nvSpPr>
-        <p:spPr>
-          <a:xfrm>
-            <a:off x="838200" y="1894114"/>
-            <a:ext cx="6368143" cy="2308324"/>
-          </a:xfrm>
-          <a:prstGeom prst="rect">
-            <a:avLst/>
-          </a:prstGeom>
-          <a:noFill/>
-        </p:spPr>
-        <p:txBody>
-          <a:bodyPr wrap="square" rtlCol="0">
-            <a:spAutoFit/>
-          </a:bodyPr>
-          <a:lstStyle/>
-          <a:p>
-            <a:r>
-              <a:rPr lang="en-GB" dirty="0"/>
-              <a:t>Minimalist Layout: Keeps the focus on logging in.</a:t>
-            </a:r>
-          </a:p>
-          <a:p>
-            <a:r>
-              <a:rPr lang="en-GB" dirty="0"/>
-              <a:t>Blurred Background Effect: Enhances readability while maintaining a modern aesthetic.</a:t>
-            </a:r>
-          </a:p>
-          <a:p>
-            <a:r>
-              <a:rPr lang="en-GB" dirty="0" err="1"/>
-              <a:t>Centered</a:t>
-            </a:r>
-            <a:r>
-              <a:rPr lang="en-GB" dirty="0"/>
-              <a:t> Form: Ensures a structured and balanced look.</a:t>
-            </a:r>
-          </a:p>
-          <a:p>
-            <a:r>
-              <a:rPr lang="en-GB" dirty="0"/>
-              <a:t>Protected Password: Improves security without affecting design clarity.</a:t>
-            </a:r>
-          </a:p>
-          <a:p>
-            <a:r>
-              <a:rPr lang="en-GB" dirty="0"/>
-              <a:t>Small Footer: Reduces unnecessary elements to keep the design clean</a:t>
-            </a:r>
-          </a:p>
-        </p:txBody>
-      </p:sp>
-    </p:spTree>
-    <p:extLst>
-      <p:ext uri="{BB962C8B-B14F-4D97-AF65-F5344CB8AC3E}">
-        <p14:creationId xmlns:p14="http://schemas.microsoft.com/office/powerpoint/2010/main" val="293854211"/>
-      </p:ext>
-    </p:extLst>
-  </p:cSld>
-  <p:clrMapOvr>
-    <a:masterClrMapping/>
-  </p:clrMapOvr>
-</p:sld>
-</file>
-
-<file path=ppt/slides/slide14.xml><?xml version="1.0" encoding="utf-8"?>
-<p:sld xmlns:a="http://schemas.openxmlformats.org/drawingml/2006/main" xmlns:r="http://schemas.openxmlformats.org/officeDocument/2006/relationships" xmlns:p="http://schemas.openxmlformats.org/presentationml/2006/main">
-  <p:cSld>
-    <p:spTree>
-      <p:nvGrpSpPr>
-        <p:cNvPr id="1" name=""/>
-        <p:cNvGrpSpPr/>
-        <p:nvPr/>
-      </p:nvGrpSpPr>
-      <p:grpSpPr>
-        <a:xfrm>
-          <a:off x="0" y="0"/>
-          <a:ext cx="0" cy="0"/>
-          <a:chOff x="0" y="0"/>
-          <a:chExt cx="0" cy="0"/>
-        </a:xfrm>
-      </p:grpSpPr>
-      <p:sp>
-        <p:nvSpPr>
-          <p:cNvPr id="2" name="Title 1">
-            <a:extLst>
-              <a:ext uri="{FF2B5EF4-FFF2-40B4-BE49-F238E27FC236}">
-                <a16:creationId xmlns:a16="http://schemas.microsoft.com/office/drawing/2014/main" id="{B7CFC37B-7435-31CA-0A67-F46123780E8D}"/>
-              </a:ext>
-            </a:extLst>
-          </p:cNvPr>
-          <p:cNvSpPr>
-            <a:spLocks noGrp="1"/>
-          </p:cNvSpPr>
-          <p:nvPr>
-            <p:ph type="title"/>
-          </p:nvPr>
-        </p:nvSpPr>
-        <p:spPr/>
-        <p:txBody>
-          <a:bodyPr/>
-          <a:lstStyle/>
-          <a:p>
-            <a:r>
-              <a:rPr lang="en-GB" dirty="0"/>
-              <a:t>Register Form</a:t>
-            </a:r>
-          </a:p>
-        </p:txBody>
-      </p:sp>
-      <p:pic>
-        <p:nvPicPr>
-          <p:cNvPr id="7" name="Picture 6">
-            <a:extLst>
-              <a:ext uri="{FF2B5EF4-FFF2-40B4-BE49-F238E27FC236}">
-                <a16:creationId xmlns:a16="http://schemas.microsoft.com/office/drawing/2014/main" id="{DCFF8A87-D230-F5DE-2E10-78D1F2A097EF}"/>
-              </a:ext>
-            </a:extLst>
-          </p:cNvPr>
-          <p:cNvPicPr>
-            <a:picLocks noChangeAspect="1"/>
-          </p:cNvPicPr>
-          <p:nvPr/>
-        </p:nvPicPr>
-        <p:blipFill>
-          <a:blip r:embed="rId3"/>
-          <a:stretch>
-            <a:fillRect/>
-          </a:stretch>
-        </p:blipFill>
-        <p:spPr>
-          <a:xfrm>
-            <a:off x="8045079" y="365125"/>
-            <a:ext cx="2884178" cy="5994307"/>
-          </a:xfrm>
-          <a:prstGeom prst="rect">
-            <a:avLst/>
-          </a:prstGeom>
-        </p:spPr>
-      </p:pic>
-      <p:sp>
-        <p:nvSpPr>
-          <p:cNvPr id="10" name="TextBox 9">
-            <a:extLst>
-              <a:ext uri="{FF2B5EF4-FFF2-40B4-BE49-F238E27FC236}">
-                <a16:creationId xmlns:a16="http://schemas.microsoft.com/office/drawing/2014/main" id="{755BC373-FFDB-2CAA-2DA4-18A7960D12BA}"/>
-              </a:ext>
-            </a:extLst>
-          </p:cNvPr>
-          <p:cNvSpPr txBox="1"/>
-          <p:nvPr/>
-        </p:nvSpPr>
-        <p:spPr>
-          <a:xfrm>
-            <a:off x="674914" y="1690688"/>
-            <a:ext cx="5987143" cy="3416320"/>
-          </a:xfrm>
-          <a:prstGeom prst="rect">
-            <a:avLst/>
-          </a:prstGeom>
-          <a:noFill/>
-        </p:spPr>
-        <p:txBody>
-          <a:bodyPr wrap="square" rtlCol="0">
-            <a:spAutoFit/>
-          </a:bodyPr>
-          <a:lstStyle/>
-          <a:p>
-            <a:r>
-              <a:rPr lang="en-GB" dirty="0"/>
-              <a:t>Structured &amp; Balanced Layout: Keeps fields organized for readability.</a:t>
-            </a:r>
-          </a:p>
-          <a:p>
-            <a:r>
-              <a:rPr lang="en-GB" dirty="0"/>
-              <a:t>Blurred Background Effect: Improves focus on the form while maintaining aesthetics.</a:t>
-            </a:r>
-          </a:p>
-          <a:p>
-            <a:r>
-              <a:rPr lang="en-GB" dirty="0"/>
-              <a:t>Consistent Input Field Styling: Creates a uniform and professional look.</a:t>
-            </a:r>
-          </a:p>
-          <a:p>
-            <a:r>
-              <a:rPr lang="en-GB" dirty="0"/>
-              <a:t>Password &amp; Confirm Password Fields: Ensures clarity in form completion.</a:t>
-            </a:r>
-          </a:p>
-          <a:p>
-            <a:r>
-              <a:rPr lang="en-GB" dirty="0"/>
-              <a:t>Spacing Between Fields: Prevents clutter and enhances readability.</a:t>
-            </a:r>
-          </a:p>
-          <a:p>
-            <a:r>
-              <a:rPr lang="en-GB" dirty="0"/>
-              <a:t>Minimal Footer: Maintains focus on the registration process.</a:t>
-            </a:r>
-          </a:p>
-        </p:txBody>
-      </p:sp>
-    </p:spTree>
-    <p:extLst>
-      <p:ext uri="{BB962C8B-B14F-4D97-AF65-F5344CB8AC3E}">
-        <p14:creationId xmlns:p14="http://schemas.microsoft.com/office/powerpoint/2010/main" val="2525696976"/>
-      </p:ext>
-    </p:extLst>
-  </p:cSld>
-  <p:clrMapOvr>
-    <a:masterClrMapping/>
-  </p:clrMapOvr>
-</p:sld>
-</file>
-
-<file path=ppt/slides/slide2.xml><?xml version="1.0" encoding="utf-8"?>
-<p:sld xmlns:a="http://schemas.openxmlformats.org/drawingml/2006/main" xmlns:r="http://schemas.openxmlformats.org/officeDocument/2006/relationships" xmlns:p="http://schemas.openxmlformats.org/presentationml/2006/main">
-  <p:cSld>
-    <p:spTree>
-      <p:nvGrpSpPr>
-        <p:cNvPr id="1" name=""/>
-        <p:cNvGrpSpPr/>
-        <p:nvPr/>
-      </p:nvGrpSpPr>
-      <p:grpSpPr>
-        <a:xfrm>
-          <a:off x="0" y="0"/>
-          <a:ext cx="0" cy="0"/>
-          <a:chOff x="0" y="0"/>
-          <a:chExt cx="0" cy="0"/>
-        </a:xfrm>
-      </p:grpSpPr>
-      <p:sp>
-        <p:nvSpPr>
-          <p:cNvPr id="2" name="Title 1">
-            <a:extLst>
-              <a:ext uri="{FF2B5EF4-FFF2-40B4-BE49-F238E27FC236}">
-                <a16:creationId xmlns:a16="http://schemas.microsoft.com/office/drawing/2014/main" id="{15FF3C53-5947-A3B0-1CB2-134C86D198F3}"/>
-              </a:ext>
-            </a:extLst>
-          </p:cNvPr>
-          <p:cNvSpPr>
-            <a:spLocks noGrp="1"/>
-          </p:cNvSpPr>
-          <p:nvPr>
-            <p:ph type="title"/>
-          </p:nvPr>
-        </p:nvSpPr>
-        <p:spPr/>
-        <p:txBody>
-          <a:bodyPr/>
-          <a:lstStyle/>
-          <a:p>
-            <a:r>
-              <a:rPr lang="en-GB" dirty="0"/>
-              <a:t>Navigation Bar: Desktop</a:t>
-            </a:r>
-          </a:p>
-        </p:txBody>
-      </p:sp>
-      <p:pic>
-        <p:nvPicPr>
-          <p:cNvPr id="5" name="Content Placeholder 4">
-            <a:extLst>
-              <a:ext uri="{FF2B5EF4-FFF2-40B4-BE49-F238E27FC236}">
-                <a16:creationId xmlns:a16="http://schemas.microsoft.com/office/drawing/2014/main" id="{8A21164A-D0BA-C18F-B73F-73CD6DE22C90}"/>
-              </a:ext>
-            </a:extLst>
-          </p:cNvPr>
-          <p:cNvPicPr>
-            <a:picLocks noGrp="1" noChangeAspect="1"/>
-          </p:cNvPicPr>
-          <p:nvPr>
-            <p:ph idx="1"/>
-          </p:nvPr>
-        </p:nvPicPr>
-        <p:blipFill>
-          <a:blip r:embed="rId3"/>
-          <a:stretch>
-            <a:fillRect/>
-          </a:stretch>
-        </p:blipFill>
-        <p:spPr>
-          <a:xfrm>
-            <a:off x="168749" y="4603182"/>
-            <a:ext cx="8343880" cy="1128260"/>
-          </a:xfrm>
-        </p:spPr>
-      </p:pic>
-      <p:sp>
-        <p:nvSpPr>
-          <p:cNvPr id="9" name="TextBox 8">
-            <a:extLst>
-              <a:ext uri="{FF2B5EF4-FFF2-40B4-BE49-F238E27FC236}">
-                <a16:creationId xmlns:a16="http://schemas.microsoft.com/office/drawing/2014/main" id="{5B242F19-2E06-EF5F-E3AD-2FE199CEC90D}"/>
-              </a:ext>
-            </a:extLst>
-          </p:cNvPr>
-          <p:cNvSpPr txBox="1"/>
-          <p:nvPr/>
-        </p:nvSpPr>
-        <p:spPr>
-          <a:xfrm>
-            <a:off x="838200" y="2408271"/>
-            <a:ext cx="7674428" cy="1477328"/>
-          </a:xfrm>
-          <a:prstGeom prst="rect">
-            <a:avLst/>
-          </a:prstGeom>
-          <a:noFill/>
-        </p:spPr>
-        <p:txBody>
-          <a:bodyPr wrap="square" rtlCol="0">
-            <a:spAutoFit/>
-          </a:bodyPr>
-          <a:lstStyle/>
-          <a:p>
-            <a:r>
-              <a:rPr lang="en-GB" dirty="0"/>
-              <a:t>Clean &amp; Simple: White background blends into the page for a modern feel.</a:t>
-            </a:r>
-          </a:p>
-          <a:p>
-            <a:r>
-              <a:rPr lang="en-GB" dirty="0"/>
-              <a:t>Logo Placement: Top left for brand recognition.</a:t>
-            </a:r>
-          </a:p>
-          <a:p>
-            <a:r>
-              <a:rPr lang="en-GB" dirty="0"/>
-              <a:t>Easy Navigation: Key pages (For Him, For Her, Gifts, Cart, etc.) clearly visible.</a:t>
-            </a:r>
-          </a:p>
-          <a:p>
-            <a:r>
-              <a:rPr lang="en-GB" dirty="0"/>
-              <a:t>Hamburger Menu (Mobile): Saves space for smaller screens.</a:t>
-            </a:r>
-          </a:p>
-          <a:p>
-            <a:r>
-              <a:rPr lang="en-GB" dirty="0"/>
-              <a:t>Dark Mode Toggle: User-friendly for accessibility and aesthetics.</a:t>
-            </a:r>
-          </a:p>
-        </p:txBody>
-      </p:sp>
-      <p:pic>
-        <p:nvPicPr>
-          <p:cNvPr id="22" name="Picture 21">
-            <a:extLst>
-              <a:ext uri="{FF2B5EF4-FFF2-40B4-BE49-F238E27FC236}">
-                <a16:creationId xmlns:a16="http://schemas.microsoft.com/office/drawing/2014/main" id="{CA98A48D-370B-FEE8-3810-B02D235F40C5}"/>
-              </a:ext>
-            </a:extLst>
-          </p:cNvPr>
-          <p:cNvPicPr>
-            <a:picLocks noChangeAspect="1"/>
-          </p:cNvPicPr>
-          <p:nvPr/>
-        </p:nvPicPr>
-        <p:blipFill>
-          <a:blip r:embed="rId4"/>
-          <a:stretch>
-            <a:fillRect/>
-          </a:stretch>
-        </p:blipFill>
-        <p:spPr>
-          <a:xfrm>
-            <a:off x="8668209" y="1690688"/>
-            <a:ext cx="3172268" cy="3972479"/>
-          </a:xfrm>
-          <a:prstGeom prst="rect">
-            <a:avLst/>
-          </a:prstGeom>
-        </p:spPr>
-      </p:pic>
-    </p:spTree>
-    <p:extLst>
-      <p:ext uri="{BB962C8B-B14F-4D97-AF65-F5344CB8AC3E}">
-        <p14:creationId xmlns:p14="http://schemas.microsoft.com/office/powerpoint/2010/main" val="3181313041"/>
-      </p:ext>
-    </p:extLst>
-  </p:cSld>
-  <p:clrMapOvr>
-    <a:masterClrMapping/>
-  </p:clrMapOvr>
-</p:sld>
-</file>
-
-<file path=ppt/slides/slide3.xml><?xml version="1.0" encoding="utf-8"?>
-<p:sld xmlns:a="http://schemas.openxmlformats.org/drawingml/2006/main" xmlns:r="http://schemas.openxmlformats.org/officeDocument/2006/relationships" xmlns:p="http://schemas.openxmlformats.org/presentationml/2006/main">
-  <p:cSld>
-    <p:spTree>
-      <p:nvGrpSpPr>
-        <p:cNvPr id="1" name=""/>
-        <p:cNvGrpSpPr/>
-        <p:nvPr/>
-      </p:nvGrpSpPr>
-      <p:grpSpPr>
-        <a:xfrm>
-          <a:off x="0" y="0"/>
-          <a:ext cx="0" cy="0"/>
-          <a:chOff x="0" y="0"/>
-          <a:chExt cx="0" cy="0"/>
-        </a:xfrm>
-      </p:grpSpPr>
-      <p:sp>
-        <p:nvSpPr>
-          <p:cNvPr id="2" name="Title 1">
-            <a:extLst>
-              <a:ext uri="{FF2B5EF4-FFF2-40B4-BE49-F238E27FC236}">
-                <a16:creationId xmlns:a16="http://schemas.microsoft.com/office/drawing/2014/main" id="{17B56529-AC17-40C7-A064-6B6D040F4C15}"/>
-              </a:ext>
-            </a:extLst>
-          </p:cNvPr>
-          <p:cNvSpPr>
-            <a:spLocks noGrp="1"/>
-          </p:cNvSpPr>
-          <p:nvPr>
-            <p:ph type="title"/>
-          </p:nvPr>
-        </p:nvSpPr>
-        <p:spPr/>
-        <p:txBody>
-          <a:bodyPr/>
-          <a:lstStyle/>
-          <a:p>
-            <a:r>
-              <a:rPr lang="en-GB" dirty="0"/>
-              <a:t>Carousel</a:t>
-            </a:r>
-          </a:p>
-        </p:txBody>
-      </p:sp>
-      <p:pic>
-        <p:nvPicPr>
-          <p:cNvPr id="5" name="Content Placeholder 4">
-            <a:extLst>
-              <a:ext uri="{FF2B5EF4-FFF2-40B4-BE49-F238E27FC236}">
-                <a16:creationId xmlns:a16="http://schemas.microsoft.com/office/drawing/2014/main" id="{07C699B5-3D05-6338-1685-34F67965D6C0}"/>
-              </a:ext>
-            </a:extLst>
-          </p:cNvPr>
-          <p:cNvPicPr>
-            <a:picLocks noGrp="1" noChangeAspect="1"/>
-          </p:cNvPicPr>
-          <p:nvPr>
-            <p:ph idx="1"/>
-          </p:nvPr>
-        </p:nvPicPr>
-        <p:blipFill>
-          <a:blip r:embed="rId3"/>
-          <a:stretch>
-            <a:fillRect/>
-          </a:stretch>
-        </p:blipFill>
-        <p:spPr>
-          <a:xfrm>
-            <a:off x="283028" y="3429000"/>
-            <a:ext cx="7870371" cy="2546061"/>
-          </a:xfrm>
-        </p:spPr>
-      </p:pic>
-      <p:pic>
-        <p:nvPicPr>
-          <p:cNvPr id="7" name="Picture 6">
-            <a:extLst>
-              <a:ext uri="{FF2B5EF4-FFF2-40B4-BE49-F238E27FC236}">
-                <a16:creationId xmlns:a16="http://schemas.microsoft.com/office/drawing/2014/main" id="{7A3CBE21-C83D-6946-9B94-500DA820A471}"/>
-              </a:ext>
-            </a:extLst>
-          </p:cNvPr>
-          <p:cNvPicPr>
-            <a:picLocks noChangeAspect="1"/>
-          </p:cNvPicPr>
-          <p:nvPr/>
-        </p:nvPicPr>
-        <p:blipFill>
-          <a:blip r:embed="rId4"/>
-          <a:stretch>
-            <a:fillRect/>
-          </a:stretch>
-        </p:blipFill>
-        <p:spPr>
-          <a:xfrm>
-            <a:off x="8413250" y="3705586"/>
-            <a:ext cx="3495722" cy="1992888"/>
-          </a:xfrm>
-          <a:prstGeom prst="rect">
-            <a:avLst/>
-          </a:prstGeom>
-        </p:spPr>
-      </p:pic>
-      <p:sp>
-        <p:nvSpPr>
-          <p:cNvPr id="8" name="TextBox 7">
-            <a:extLst>
-              <a:ext uri="{FF2B5EF4-FFF2-40B4-BE49-F238E27FC236}">
-                <a16:creationId xmlns:a16="http://schemas.microsoft.com/office/drawing/2014/main" id="{1F82AAD7-535C-AA3C-D3C3-DE0752836913}"/>
-              </a:ext>
-            </a:extLst>
-          </p:cNvPr>
-          <p:cNvSpPr txBox="1"/>
-          <p:nvPr/>
-        </p:nvSpPr>
-        <p:spPr>
-          <a:xfrm>
-            <a:off x="500743" y="1690688"/>
-            <a:ext cx="7870371" cy="1477328"/>
-          </a:xfrm>
-          <a:prstGeom prst="rect">
-            <a:avLst/>
-          </a:prstGeom>
-          <a:noFill/>
-        </p:spPr>
-        <p:txBody>
-          <a:bodyPr wrap="square" rtlCol="0">
-            <a:spAutoFit/>
-          </a:bodyPr>
-          <a:lstStyle/>
-          <a:p>
-            <a:r>
-              <a:rPr lang="en-GB" dirty="0"/>
-              <a:t>Optimized for Mobile: Adapts images to different screen sizes for better viewing.</a:t>
-            </a:r>
-          </a:p>
-          <a:p>
-            <a:r>
-              <a:rPr lang="en-GB" dirty="0"/>
-              <a:t>High-quality visuals: Reinforces the brand’s premium aesthetic.</a:t>
-            </a:r>
-          </a:p>
-          <a:p>
-            <a:r>
-              <a:rPr lang="en-GB" dirty="0"/>
-              <a:t>Smooth transitions: Makes the experience more engaging.</a:t>
-            </a:r>
-          </a:p>
-          <a:p>
-            <a:r>
-              <a:rPr lang="en-GB" dirty="0"/>
-              <a:t>Minimal text overlay: Keeps focus on visuals without overwhelming the design.</a:t>
-            </a:r>
-          </a:p>
-        </p:txBody>
-      </p:sp>
-    </p:spTree>
-    <p:extLst>
-      <p:ext uri="{BB962C8B-B14F-4D97-AF65-F5344CB8AC3E}">
-        <p14:creationId xmlns:p14="http://schemas.microsoft.com/office/powerpoint/2010/main" val="1243144216"/>
-      </p:ext>
-    </p:extLst>
-  </p:cSld>
-  <p:clrMapOvr>
-    <a:masterClrMapping/>
-  </p:clrMapOvr>
-</p:sld>
-</file>
-
-<file path=ppt/slides/slide4.xml><?xml version="1.0" encoding="utf-8"?>
-<p:sld xmlns:a="http://schemas.openxmlformats.org/drawingml/2006/main" xmlns:r="http://schemas.openxmlformats.org/officeDocument/2006/relationships" xmlns:p="http://schemas.openxmlformats.org/presentationml/2006/main">
-  <p:cSld>
-    <p:spTree>
-      <p:nvGrpSpPr>
-        <p:cNvPr id="1" name=""/>
-        <p:cNvGrpSpPr/>
-        <p:nvPr/>
-      </p:nvGrpSpPr>
-      <p:grpSpPr>
-        <a:xfrm>
-          <a:off x="0" y="0"/>
-          <a:ext cx="0" cy="0"/>
-          <a:chOff x="0" y="0"/>
-          <a:chExt cx="0" cy="0"/>
-        </a:xfrm>
-      </p:grpSpPr>
-      <p:sp>
-        <p:nvSpPr>
-          <p:cNvPr id="2" name="Title 1">
-            <a:extLst>
-              <a:ext uri="{FF2B5EF4-FFF2-40B4-BE49-F238E27FC236}">
-                <a16:creationId xmlns:a16="http://schemas.microsoft.com/office/drawing/2014/main" id="{D1C24E6B-59DF-1B84-C96E-358A1B579122}"/>
-              </a:ext>
-            </a:extLst>
-          </p:cNvPr>
-          <p:cNvSpPr>
-            <a:spLocks noGrp="1"/>
-          </p:cNvSpPr>
-          <p:nvPr>
-            <p:ph type="title"/>
-          </p:nvPr>
-        </p:nvSpPr>
-        <p:spPr/>
-        <p:txBody>
-          <a:bodyPr/>
-          <a:lstStyle/>
-          <a:p>
-            <a:r>
-              <a:rPr lang="en-GB" dirty="0"/>
-              <a:t>About us</a:t>
-            </a:r>
-          </a:p>
-        </p:txBody>
-      </p:sp>
-      <p:pic>
-        <p:nvPicPr>
-          <p:cNvPr id="5" name="Content Placeholder 4">
-            <a:extLst>
-              <a:ext uri="{FF2B5EF4-FFF2-40B4-BE49-F238E27FC236}">
-                <a16:creationId xmlns:a16="http://schemas.microsoft.com/office/drawing/2014/main" id="{3FAED2D2-0CA3-C345-7157-D6D21CD579AE}"/>
-              </a:ext>
-            </a:extLst>
-          </p:cNvPr>
-          <p:cNvPicPr>
-            <a:picLocks noGrp="1" noChangeAspect="1"/>
-          </p:cNvPicPr>
-          <p:nvPr>
-            <p:ph idx="1"/>
-          </p:nvPr>
-        </p:nvPicPr>
-        <p:blipFill>
-          <a:blip r:embed="rId3"/>
-          <a:stretch>
-            <a:fillRect/>
-          </a:stretch>
-        </p:blipFill>
-        <p:spPr>
-          <a:xfrm>
-            <a:off x="8665028" y="1396970"/>
-            <a:ext cx="2950029" cy="4992357"/>
-          </a:xfrm>
-        </p:spPr>
-      </p:pic>
-      <p:pic>
-        <p:nvPicPr>
-          <p:cNvPr id="7" name="Picture 6">
-            <a:extLst>
-              <a:ext uri="{FF2B5EF4-FFF2-40B4-BE49-F238E27FC236}">
-                <a16:creationId xmlns:a16="http://schemas.microsoft.com/office/drawing/2014/main" id="{88F8DC7F-3EE2-0311-124C-0681A8AFAC34}"/>
-              </a:ext>
-            </a:extLst>
-          </p:cNvPr>
-          <p:cNvPicPr>
-            <a:picLocks noChangeAspect="1"/>
-          </p:cNvPicPr>
-          <p:nvPr/>
-        </p:nvPicPr>
-        <p:blipFill>
-          <a:blip r:embed="rId4"/>
-          <a:stretch>
-            <a:fillRect/>
-          </a:stretch>
-        </p:blipFill>
-        <p:spPr>
-          <a:xfrm>
-            <a:off x="838200" y="3841750"/>
-            <a:ext cx="5932714" cy="2547577"/>
-          </a:xfrm>
-          <a:prstGeom prst="rect">
-            <a:avLst/>
-          </a:prstGeom>
-        </p:spPr>
-      </p:pic>
-      <p:sp>
-        <p:nvSpPr>
-          <p:cNvPr id="8" name="TextBox 7">
-            <a:extLst>
-              <a:ext uri="{FF2B5EF4-FFF2-40B4-BE49-F238E27FC236}">
-                <a16:creationId xmlns:a16="http://schemas.microsoft.com/office/drawing/2014/main" id="{05EC380E-DFCF-2EB0-CCF8-24ACFCBC3779}"/>
-              </a:ext>
-            </a:extLst>
-          </p:cNvPr>
-          <p:cNvSpPr txBox="1"/>
-          <p:nvPr/>
-        </p:nvSpPr>
-        <p:spPr>
-          <a:xfrm>
-            <a:off x="838200" y="1690688"/>
-            <a:ext cx="6542314" cy="1200329"/>
-          </a:xfrm>
-          <a:prstGeom prst="rect">
-            <a:avLst/>
-          </a:prstGeom>
-          <a:noFill/>
-        </p:spPr>
-        <p:txBody>
-          <a:bodyPr wrap="square" rtlCol="0">
-            <a:spAutoFit/>
-          </a:bodyPr>
-          <a:lstStyle/>
-          <a:p>
-            <a:r>
-              <a:rPr lang="en-GB" dirty="0" err="1"/>
-              <a:t>Centered</a:t>
-            </a:r>
-            <a:r>
-              <a:rPr lang="en-GB" dirty="0"/>
-              <a:t> for Emphasis: Draws attention to the brand’s story.</a:t>
-            </a:r>
-          </a:p>
-          <a:p>
-            <a:r>
-              <a:rPr lang="en-GB" dirty="0"/>
-              <a:t>Text &amp; Image Balance: Creates a structured, easy-to-read layout.</a:t>
-            </a:r>
-          </a:p>
-          <a:p>
-            <a:r>
-              <a:rPr lang="en-GB" dirty="0"/>
-              <a:t>Limited Text Length: Keeps it concise and engaging.</a:t>
-            </a:r>
-          </a:p>
-          <a:p>
-            <a:r>
-              <a:rPr lang="en-GB" dirty="0"/>
-              <a:t>Neutral Background: Ensures readability without distractions.</a:t>
-            </a:r>
-          </a:p>
-        </p:txBody>
-      </p:sp>
-    </p:spTree>
-    <p:extLst>
-      <p:ext uri="{BB962C8B-B14F-4D97-AF65-F5344CB8AC3E}">
-        <p14:creationId xmlns:p14="http://schemas.microsoft.com/office/powerpoint/2010/main" val="1859300701"/>
-      </p:ext>
-    </p:extLst>
-  </p:cSld>
-  <p:clrMapOvr>
-    <a:masterClrMapping/>
-  </p:clrMapOvr>
-</p:sld>
-</file>
-
-<file path=ppt/slides/slide5.xml><?xml version="1.0" encoding="utf-8"?>
-<p:sld xmlns:a="http://schemas.openxmlformats.org/drawingml/2006/main" xmlns:r="http://schemas.openxmlformats.org/officeDocument/2006/relationships" xmlns:p="http://schemas.openxmlformats.org/presentationml/2006/main">
-  <p:cSld>
-    <p:spTree>
-      <p:nvGrpSpPr>
-        <p:cNvPr id="1" name=""/>
-        <p:cNvGrpSpPr/>
-        <p:nvPr/>
-      </p:nvGrpSpPr>
-      <p:grpSpPr>
-        <a:xfrm>
-          <a:off x="0" y="0"/>
-          <a:ext cx="0" cy="0"/>
-          <a:chOff x="0" y="0"/>
-          <a:chExt cx="0" cy="0"/>
-        </a:xfrm>
-      </p:grpSpPr>
-      <p:sp>
-        <p:nvSpPr>
-          <p:cNvPr id="2" name="Title 1">
-            <a:extLst>
-              <a:ext uri="{FF2B5EF4-FFF2-40B4-BE49-F238E27FC236}">
-                <a16:creationId xmlns:a16="http://schemas.microsoft.com/office/drawing/2014/main" id="{C4B80C12-F473-F723-C174-CE5177B554E9}"/>
-              </a:ext>
-            </a:extLst>
-          </p:cNvPr>
-          <p:cNvSpPr>
-            <a:spLocks noGrp="1"/>
-          </p:cNvSpPr>
-          <p:nvPr>
-            <p:ph type="title"/>
-          </p:nvPr>
-        </p:nvSpPr>
-        <p:spPr/>
-        <p:txBody>
-          <a:bodyPr/>
-          <a:lstStyle/>
-          <a:p>
-            <a:r>
-              <a:rPr lang="en-GB" dirty="0"/>
-              <a:t>Menu Cards</a:t>
-            </a:r>
-          </a:p>
-        </p:txBody>
-      </p:sp>
-      <p:pic>
-        <p:nvPicPr>
-          <p:cNvPr id="5" name="Content Placeholder 4">
-            <a:extLst>
-              <a:ext uri="{FF2B5EF4-FFF2-40B4-BE49-F238E27FC236}">
-                <a16:creationId xmlns:a16="http://schemas.microsoft.com/office/drawing/2014/main" id="{3FDAA944-5101-3500-DE64-70F60178B7B1}"/>
-              </a:ext>
-            </a:extLst>
-          </p:cNvPr>
-          <p:cNvPicPr>
-            <a:picLocks noGrp="1" noChangeAspect="1"/>
-          </p:cNvPicPr>
-          <p:nvPr>
-            <p:ph idx="1"/>
-          </p:nvPr>
-        </p:nvPicPr>
-        <p:blipFill>
-          <a:blip r:embed="rId3"/>
-          <a:stretch>
-            <a:fillRect/>
-          </a:stretch>
-        </p:blipFill>
-        <p:spPr>
-          <a:xfrm>
-            <a:off x="9063690" y="1454006"/>
-            <a:ext cx="2524597" cy="4351338"/>
-          </a:xfrm>
-        </p:spPr>
-      </p:pic>
-      <p:pic>
-        <p:nvPicPr>
-          <p:cNvPr id="7" name="Picture 6">
-            <a:extLst>
-              <a:ext uri="{FF2B5EF4-FFF2-40B4-BE49-F238E27FC236}">
-                <a16:creationId xmlns:a16="http://schemas.microsoft.com/office/drawing/2014/main" id="{166EDF57-1116-0DCA-6750-40F287A792F3}"/>
-              </a:ext>
-            </a:extLst>
-          </p:cNvPr>
-          <p:cNvPicPr>
-            <a:picLocks noChangeAspect="1"/>
-          </p:cNvPicPr>
-          <p:nvPr/>
-        </p:nvPicPr>
-        <p:blipFill>
-          <a:blip r:embed="rId4"/>
-          <a:stretch>
-            <a:fillRect/>
-          </a:stretch>
-        </p:blipFill>
-        <p:spPr>
-          <a:xfrm>
-            <a:off x="4688000" y="1335665"/>
-            <a:ext cx="4141203" cy="4824702"/>
-          </a:xfrm>
-          <a:prstGeom prst="rect">
-            <a:avLst/>
-          </a:prstGeom>
-        </p:spPr>
-      </p:pic>
-      <p:sp>
-        <p:nvSpPr>
-          <p:cNvPr id="8" name="TextBox 7">
-            <a:extLst>
-              <a:ext uri="{FF2B5EF4-FFF2-40B4-BE49-F238E27FC236}">
-                <a16:creationId xmlns:a16="http://schemas.microsoft.com/office/drawing/2014/main" id="{9C743BC1-D5F7-0270-8730-AD4BAD10F5F8}"/>
-              </a:ext>
-            </a:extLst>
-          </p:cNvPr>
-          <p:cNvSpPr txBox="1"/>
-          <p:nvPr/>
-        </p:nvSpPr>
-        <p:spPr>
-          <a:xfrm>
-            <a:off x="261257" y="1690688"/>
-            <a:ext cx="3875314" cy="1754326"/>
-          </a:xfrm>
-          <a:prstGeom prst="rect">
-            <a:avLst/>
-          </a:prstGeom>
-          <a:noFill/>
-        </p:spPr>
-        <p:txBody>
-          <a:bodyPr wrap="square" rtlCol="0">
-            <a:spAutoFit/>
-          </a:bodyPr>
-          <a:lstStyle/>
-          <a:p>
-            <a:r>
-              <a:rPr lang="en-GB" dirty="0"/>
-              <a:t>Image-Based Navigation: Makes browsing categories intuitive.</a:t>
-            </a:r>
-          </a:p>
-          <a:p>
-            <a:r>
-              <a:rPr lang="en-GB" dirty="0"/>
-              <a:t>Consistent Card Sizing: Maintains a uniform, clean look.</a:t>
-            </a:r>
-          </a:p>
-          <a:p>
-            <a:r>
-              <a:rPr lang="en-GB" dirty="0"/>
-              <a:t>Minimal Text: Keeps the focus on visuals for quick decision-making.</a:t>
-            </a:r>
-          </a:p>
-        </p:txBody>
-      </p:sp>
-    </p:spTree>
-    <p:extLst>
-      <p:ext uri="{BB962C8B-B14F-4D97-AF65-F5344CB8AC3E}">
-        <p14:creationId xmlns:p14="http://schemas.microsoft.com/office/powerpoint/2010/main" val="1672280903"/>
-      </p:ext>
-    </p:extLst>
-  </p:cSld>
-  <p:clrMapOvr>
-    <a:masterClrMapping/>
-  </p:clrMapOvr>
-</p:sld>
-</file>
-
-<file path=ppt/slides/slide6.xml><?xml version="1.0" encoding="utf-8"?>
-<p:sld xmlns:a="http://schemas.openxmlformats.org/drawingml/2006/main" xmlns:r="http://schemas.openxmlformats.org/officeDocument/2006/relationships" xmlns:p="http://schemas.openxmlformats.org/presentationml/2006/main">
-  <p:cSld>
-    <p:spTree>
-      <p:nvGrpSpPr>
-        <p:cNvPr id="1" name=""/>
-        <p:cNvGrpSpPr/>
-        <p:nvPr/>
-      </p:nvGrpSpPr>
-      <p:grpSpPr>
-        <a:xfrm>
-          <a:off x="0" y="0"/>
-          <a:ext cx="0" cy="0"/>
-          <a:chOff x="0" y="0"/>
-          <a:chExt cx="0" cy="0"/>
-        </a:xfrm>
-      </p:grpSpPr>
-      <p:sp>
-        <p:nvSpPr>
-          <p:cNvPr id="2" name="Title 1">
-            <a:extLst>
-              <a:ext uri="{FF2B5EF4-FFF2-40B4-BE49-F238E27FC236}">
-                <a16:creationId xmlns:a16="http://schemas.microsoft.com/office/drawing/2014/main" id="{FDA46802-AFA7-41EB-F832-288D04D738F0}"/>
-              </a:ext>
-            </a:extLst>
-          </p:cNvPr>
-          <p:cNvSpPr>
-            <a:spLocks noGrp="1"/>
-          </p:cNvSpPr>
-          <p:nvPr>
-            <p:ph type="title"/>
-          </p:nvPr>
-        </p:nvSpPr>
-        <p:spPr/>
-        <p:txBody>
-          <a:bodyPr/>
-          <a:lstStyle/>
-          <a:p>
-            <a:r>
-              <a:rPr lang="en-GB" dirty="0"/>
-              <a:t>Footer</a:t>
-            </a:r>
-          </a:p>
-        </p:txBody>
-      </p:sp>
-      <p:pic>
-        <p:nvPicPr>
-          <p:cNvPr id="5" name="Content Placeholder 4">
-            <a:extLst>
-              <a:ext uri="{FF2B5EF4-FFF2-40B4-BE49-F238E27FC236}">
-                <a16:creationId xmlns:a16="http://schemas.microsoft.com/office/drawing/2014/main" id="{2053A1F3-3DB1-DDD6-C5A3-5AB9CEB59D1C}"/>
-              </a:ext>
-            </a:extLst>
-          </p:cNvPr>
-          <p:cNvPicPr>
-            <a:picLocks noGrp="1" noChangeAspect="1"/>
-          </p:cNvPicPr>
-          <p:nvPr>
-            <p:ph idx="1"/>
-          </p:nvPr>
-        </p:nvPicPr>
-        <p:blipFill>
-          <a:blip r:embed="rId3"/>
-          <a:stretch>
-            <a:fillRect/>
-          </a:stretch>
-        </p:blipFill>
-        <p:spPr>
-          <a:xfrm>
-            <a:off x="1270130" y="5167312"/>
-            <a:ext cx="8524724" cy="1072723"/>
-          </a:xfrm>
-        </p:spPr>
-      </p:pic>
-      <p:pic>
-        <p:nvPicPr>
-          <p:cNvPr id="7" name="Picture 6">
-            <a:extLst>
-              <a:ext uri="{FF2B5EF4-FFF2-40B4-BE49-F238E27FC236}">
-                <a16:creationId xmlns:a16="http://schemas.microsoft.com/office/drawing/2014/main" id="{A5ACEC16-6A4A-C3F0-AC4E-BBE5D07F7C19}"/>
-              </a:ext>
-            </a:extLst>
-          </p:cNvPr>
-          <p:cNvPicPr>
-            <a:picLocks noChangeAspect="1"/>
-          </p:cNvPicPr>
-          <p:nvPr/>
-        </p:nvPicPr>
-        <p:blipFill>
-          <a:blip r:embed="rId4"/>
-          <a:stretch>
-            <a:fillRect/>
-          </a:stretch>
-        </p:blipFill>
-        <p:spPr>
-          <a:xfrm>
-            <a:off x="3201903" y="4540230"/>
-            <a:ext cx="4459092" cy="497361"/>
-          </a:xfrm>
-          <a:prstGeom prst="rect">
-            <a:avLst/>
-          </a:prstGeom>
-        </p:spPr>
-      </p:pic>
-      <p:sp>
-        <p:nvSpPr>
-          <p:cNvPr id="8" name="TextBox 7">
-            <a:extLst>
-              <a:ext uri="{FF2B5EF4-FFF2-40B4-BE49-F238E27FC236}">
-                <a16:creationId xmlns:a16="http://schemas.microsoft.com/office/drawing/2014/main" id="{28551380-5694-FF9B-84C3-799CD88F02F7}"/>
-              </a:ext>
-            </a:extLst>
-          </p:cNvPr>
-          <p:cNvSpPr txBox="1"/>
-          <p:nvPr/>
-        </p:nvSpPr>
-        <p:spPr>
-          <a:xfrm>
-            <a:off x="838200" y="1415143"/>
-            <a:ext cx="8153400" cy="3139321"/>
-          </a:xfrm>
-          <a:prstGeom prst="rect">
-            <a:avLst/>
-          </a:prstGeom>
-          <a:noFill/>
-        </p:spPr>
-        <p:txBody>
-          <a:bodyPr wrap="square" rtlCol="0">
-            <a:spAutoFit/>
-          </a:bodyPr>
-          <a:lstStyle/>
-          <a:p>
-            <a:r>
-              <a:rPr lang="en-GB" dirty="0"/>
-              <a:t>Dual footer system: One for the main site, another for login and signup pages.</a:t>
-            </a:r>
-          </a:p>
-          <a:p>
-            <a:r>
-              <a:rPr lang="en-GB" dirty="0"/>
-              <a:t>Main footer: Provides quick access to essential policies (GDPR, PETA, IFRA, etc.), ensuring transparency.</a:t>
-            </a:r>
-          </a:p>
-          <a:p>
-            <a:r>
-              <a:rPr lang="en-GB" dirty="0"/>
-              <a:t>Legal and location links: Helps users easily find store details and understand brand commitments.</a:t>
-            </a:r>
-          </a:p>
-          <a:p>
-            <a:r>
-              <a:rPr lang="en-GB" dirty="0"/>
-              <a:t>Dark background: Enhances readability and aligns with dark mode aesthetics.</a:t>
-            </a:r>
-          </a:p>
-          <a:p>
-            <a:r>
-              <a:rPr lang="en-GB" dirty="0"/>
-              <a:t>Evenly spaced links: Ensures a clean, uncluttered look for easy navigation.</a:t>
-            </a:r>
-          </a:p>
-          <a:p>
-            <a:r>
-              <a:rPr lang="en-GB" dirty="0"/>
-              <a:t>Login/signup footer: Minimal design keeps focus on form completion with fewer distractions.</a:t>
-            </a:r>
-          </a:p>
-          <a:p>
-            <a:r>
-              <a:rPr lang="en-GB" dirty="0"/>
-              <a:t>Consistent branding: Matches the overall theme while keeping the interface user-friendly.</a:t>
-            </a:r>
-          </a:p>
-        </p:txBody>
-      </p:sp>
-    </p:spTree>
-    <p:extLst>
-      <p:ext uri="{BB962C8B-B14F-4D97-AF65-F5344CB8AC3E}">
-        <p14:creationId xmlns:p14="http://schemas.microsoft.com/office/powerpoint/2010/main" val="1941389796"/>
-      </p:ext>
-    </p:extLst>
-  </p:cSld>
-  <p:clrMapOvr>
-    <a:masterClrMapping/>
-  </p:clrMapOvr>
-</p:sld>
-</file>
-
-<file path=ppt/slides/slide7.xml><?xml version="1.0" encoding="utf-8"?>
-<p:sld xmlns:a="http://schemas.openxmlformats.org/drawingml/2006/main" xmlns:r="http://schemas.openxmlformats.org/officeDocument/2006/relationships" xmlns:p="http://schemas.openxmlformats.org/presentationml/2006/main">
-  <p:cSld>
-    <p:spTree>
-      <p:nvGrpSpPr>
-        <p:cNvPr id="1" name=""/>
-        <p:cNvGrpSpPr/>
-        <p:nvPr/>
-      </p:nvGrpSpPr>
-      <p:grpSpPr>
-        <a:xfrm>
-          <a:off x="0" y="0"/>
-          <a:ext cx="0" cy="0"/>
-          <a:chOff x="0" y="0"/>
-          <a:chExt cx="0" cy="0"/>
-        </a:xfrm>
-      </p:grpSpPr>
-      <p:sp>
-        <p:nvSpPr>
-          <p:cNvPr id="2" name="Title 1">
-            <a:extLst>
-              <a:ext uri="{FF2B5EF4-FFF2-40B4-BE49-F238E27FC236}">
-                <a16:creationId xmlns:a16="http://schemas.microsoft.com/office/drawing/2014/main" id="{952ECE5F-DF6D-4B5B-AAED-E6D19F070176}"/>
-              </a:ext>
-            </a:extLst>
-          </p:cNvPr>
-          <p:cNvSpPr>
-            <a:spLocks noGrp="1"/>
-          </p:cNvSpPr>
-          <p:nvPr>
-            <p:ph type="title"/>
-          </p:nvPr>
-        </p:nvSpPr>
-        <p:spPr/>
-        <p:txBody>
-          <a:bodyPr/>
-          <a:lstStyle/>
-          <a:p>
-            <a:r>
-              <a:rPr lang="en-GB" dirty="0"/>
-              <a:t>Product Listings</a:t>
-            </a:r>
-          </a:p>
-        </p:txBody>
-      </p:sp>
-      <p:pic>
-        <p:nvPicPr>
-          <p:cNvPr id="5" name="Content Placeholder 4">
-            <a:extLst>
-              <a:ext uri="{FF2B5EF4-FFF2-40B4-BE49-F238E27FC236}">
-                <a16:creationId xmlns:a16="http://schemas.microsoft.com/office/drawing/2014/main" id="{48E5EA02-98A4-3959-F328-9BF6992833AF}"/>
-              </a:ext>
-            </a:extLst>
-          </p:cNvPr>
-          <p:cNvPicPr>
-            <a:picLocks noGrp="1" noChangeAspect="1"/>
-          </p:cNvPicPr>
-          <p:nvPr>
-            <p:ph idx="1"/>
-          </p:nvPr>
-        </p:nvPicPr>
-        <p:blipFill>
-          <a:blip r:embed="rId3"/>
-          <a:stretch>
-            <a:fillRect/>
-          </a:stretch>
-        </p:blipFill>
-        <p:spPr>
-          <a:xfrm>
-            <a:off x="1469572" y="3403498"/>
-            <a:ext cx="5083629" cy="3144736"/>
-          </a:xfrm>
-        </p:spPr>
-      </p:pic>
-      <p:pic>
-        <p:nvPicPr>
-          <p:cNvPr id="7" name="Picture 6">
-            <a:extLst>
-              <a:ext uri="{FF2B5EF4-FFF2-40B4-BE49-F238E27FC236}">
-                <a16:creationId xmlns:a16="http://schemas.microsoft.com/office/drawing/2014/main" id="{F6A5D444-6622-2036-7FA7-DB966C9088FE}"/>
-              </a:ext>
-            </a:extLst>
-          </p:cNvPr>
-          <p:cNvPicPr>
-            <a:picLocks noChangeAspect="1"/>
-          </p:cNvPicPr>
-          <p:nvPr/>
-        </p:nvPicPr>
-        <p:blipFill>
-          <a:blip r:embed="rId4"/>
-          <a:stretch>
-            <a:fillRect/>
-          </a:stretch>
-        </p:blipFill>
-        <p:spPr>
-          <a:xfrm>
-            <a:off x="8916701" y="1971245"/>
-            <a:ext cx="2437099" cy="4576989"/>
-          </a:xfrm>
-          <a:prstGeom prst="rect">
-            <a:avLst/>
-          </a:prstGeom>
-        </p:spPr>
-      </p:pic>
-      <p:sp>
-        <p:nvSpPr>
-          <p:cNvPr id="9" name="TextBox 8">
-            <a:extLst>
-              <a:ext uri="{FF2B5EF4-FFF2-40B4-BE49-F238E27FC236}">
-                <a16:creationId xmlns:a16="http://schemas.microsoft.com/office/drawing/2014/main" id="{E92E5010-C19C-16FA-8258-17DB32EFCFA1}"/>
-              </a:ext>
-            </a:extLst>
-          </p:cNvPr>
-          <p:cNvSpPr txBox="1"/>
-          <p:nvPr/>
-        </p:nvSpPr>
-        <p:spPr>
-          <a:xfrm>
-            <a:off x="838200" y="1502229"/>
-            <a:ext cx="5715001" cy="1754326"/>
-          </a:xfrm>
-          <a:prstGeom prst="rect">
-            <a:avLst/>
-          </a:prstGeom>
-          <a:noFill/>
-        </p:spPr>
-        <p:txBody>
-          <a:bodyPr wrap="square" rtlCol="0">
-            <a:spAutoFit/>
-          </a:bodyPr>
-          <a:lstStyle/>
-          <a:p>
-            <a:r>
-              <a:rPr lang="en-GB" dirty="0"/>
-              <a:t>Grid Layout: Organizes products neatly, making them easy to browse.</a:t>
-            </a:r>
-          </a:p>
-          <a:p>
-            <a:r>
-              <a:rPr lang="en-GB" dirty="0"/>
-              <a:t>Consistent Image Sizes: Maintains a professional and uniform look.</a:t>
-            </a:r>
-          </a:p>
-          <a:p>
-            <a:r>
-              <a:rPr lang="en-GB" dirty="0"/>
-              <a:t>Product Titles &amp; Notes: Gives users quick, relevant information.</a:t>
-            </a:r>
-          </a:p>
-        </p:txBody>
-      </p:sp>
-    </p:spTree>
-    <p:extLst>
-      <p:ext uri="{BB962C8B-B14F-4D97-AF65-F5344CB8AC3E}">
-        <p14:creationId xmlns:p14="http://schemas.microsoft.com/office/powerpoint/2010/main" val="1640100418"/>
-      </p:ext>
-    </p:extLst>
-  </p:cSld>
-  <p:clrMapOvr>
-    <a:masterClrMapping/>
-  </p:clrMapOvr>
-</p:sld>
-</file>
-
-<file path=ppt/slides/slide8.xml><?xml version="1.0" encoding="utf-8"?>
-<p:sld xmlns:a="http://schemas.openxmlformats.org/drawingml/2006/main" xmlns:r="http://schemas.openxmlformats.org/officeDocument/2006/relationships" xmlns:p="http://schemas.openxmlformats.org/presentationml/2006/main">
-  <p:cSld>
-    <p:spTree>
-      <p:nvGrpSpPr>
-        <p:cNvPr id="1" name=""/>
-        <p:cNvGrpSpPr/>
-        <p:nvPr/>
-      </p:nvGrpSpPr>
-      <p:grpSpPr>
-        <a:xfrm>
-          <a:off x="0" y="0"/>
-          <a:ext cx="0" cy="0"/>
-          <a:chOff x="0" y="0"/>
-          <a:chExt cx="0" cy="0"/>
-        </a:xfrm>
-      </p:grpSpPr>
-      <p:sp>
-        <p:nvSpPr>
-          <p:cNvPr id="2" name="Title 1">
-            <a:extLst>
-              <a:ext uri="{FF2B5EF4-FFF2-40B4-BE49-F238E27FC236}">
-                <a16:creationId xmlns:a16="http://schemas.microsoft.com/office/drawing/2014/main" id="{79F00D6C-10A0-7AF4-4DF4-1CAED8E50D06}"/>
-              </a:ext>
-            </a:extLst>
-          </p:cNvPr>
-          <p:cNvSpPr>
-            <a:spLocks noGrp="1"/>
-          </p:cNvSpPr>
-          <p:nvPr>
-            <p:ph type="title"/>
-          </p:nvPr>
-        </p:nvSpPr>
-        <p:spPr/>
-        <p:txBody>
-          <a:bodyPr/>
-          <a:lstStyle/>
-          <a:p>
-            <a:r>
-              <a:rPr lang="en-GB" dirty="0"/>
-              <a:t>Product Individual Page</a:t>
-            </a:r>
-          </a:p>
-        </p:txBody>
-      </p:sp>
-      <p:pic>
-        <p:nvPicPr>
-          <p:cNvPr id="5" name="Content Placeholder 4">
-            <a:extLst>
-              <a:ext uri="{FF2B5EF4-FFF2-40B4-BE49-F238E27FC236}">
-                <a16:creationId xmlns:a16="http://schemas.microsoft.com/office/drawing/2014/main" id="{40CA964B-B3B5-6EAE-CA28-491EFDA3D442}"/>
-              </a:ext>
-            </a:extLst>
-          </p:cNvPr>
-          <p:cNvPicPr>
-            <a:picLocks noGrp="1" noChangeAspect="1"/>
-          </p:cNvPicPr>
-          <p:nvPr>
-            <p:ph idx="1"/>
-          </p:nvPr>
-        </p:nvPicPr>
-        <p:blipFill>
-          <a:blip r:embed="rId3"/>
-          <a:stretch>
-            <a:fillRect/>
-          </a:stretch>
-        </p:blipFill>
-        <p:spPr>
-          <a:xfrm>
-            <a:off x="5026226" y="1690688"/>
-            <a:ext cx="3620005" cy="4096322"/>
-          </a:xfrm>
-        </p:spPr>
-      </p:pic>
-      <p:pic>
-        <p:nvPicPr>
-          <p:cNvPr id="7" name="Picture 6">
-            <a:extLst>
-              <a:ext uri="{FF2B5EF4-FFF2-40B4-BE49-F238E27FC236}">
-                <a16:creationId xmlns:a16="http://schemas.microsoft.com/office/drawing/2014/main" id="{BF3D54AA-2506-CA09-8560-93035BF9681A}"/>
-              </a:ext>
-            </a:extLst>
-          </p:cNvPr>
-          <p:cNvPicPr>
-            <a:picLocks noChangeAspect="1"/>
-          </p:cNvPicPr>
-          <p:nvPr/>
-        </p:nvPicPr>
-        <p:blipFill>
-          <a:blip r:embed="rId4"/>
-          <a:stretch>
-            <a:fillRect/>
-          </a:stretch>
-        </p:blipFill>
-        <p:spPr>
-          <a:xfrm>
-            <a:off x="8832875" y="1027906"/>
-            <a:ext cx="2886478" cy="5515745"/>
-          </a:xfrm>
-          <a:prstGeom prst="rect">
-            <a:avLst/>
-          </a:prstGeom>
-        </p:spPr>
-      </p:pic>
-      <p:sp>
-        <p:nvSpPr>
-          <p:cNvPr id="8" name="TextBox 7">
-            <a:extLst>
-              <a:ext uri="{FF2B5EF4-FFF2-40B4-BE49-F238E27FC236}">
-                <a16:creationId xmlns:a16="http://schemas.microsoft.com/office/drawing/2014/main" id="{6B137EF1-475A-8C80-C5AF-D6B85E04AD64}"/>
-              </a:ext>
-            </a:extLst>
-          </p:cNvPr>
-          <p:cNvSpPr txBox="1"/>
-          <p:nvPr/>
-        </p:nvSpPr>
-        <p:spPr>
-          <a:xfrm>
-            <a:off x="174171" y="1690688"/>
-            <a:ext cx="4136572" cy="5078313"/>
-          </a:xfrm>
-          <a:prstGeom prst="rect">
-            <a:avLst/>
-          </a:prstGeom>
-          <a:noFill/>
-        </p:spPr>
-        <p:txBody>
-          <a:bodyPr wrap="square" rtlCol="0">
-            <a:spAutoFit/>
-          </a:bodyPr>
-          <a:lstStyle/>
-          <a:p>
-            <a:r>
-              <a:rPr lang="en-GB" dirty="0"/>
-              <a:t>Large Product Image: Keeps focus on the product, reinforcing a premium shopping experience.</a:t>
-            </a:r>
-          </a:p>
-          <a:p>
-            <a:r>
-              <a:rPr lang="en-GB" dirty="0"/>
-              <a:t>Clear Hierarchy: Product name, description, and price are displayed prominently for easy readability.</a:t>
-            </a:r>
-          </a:p>
-          <a:p>
-            <a:r>
-              <a:rPr lang="en-GB" dirty="0"/>
-              <a:t>Size Selection Buttons: Allows users to choose different product sizes conveniently.</a:t>
-            </a:r>
-          </a:p>
-          <a:p>
-            <a:r>
-              <a:rPr lang="en-GB" dirty="0"/>
-              <a:t>Quantity Selector: Provides a smooth way to adjust the number of items before adding to the cart.</a:t>
-            </a:r>
-          </a:p>
-          <a:p>
-            <a:r>
-              <a:rPr lang="en-GB" dirty="0"/>
-              <a:t>Consistent Dark Mode Support: Ensures readability and maintains aesthetic appeal across themes.</a:t>
-            </a:r>
-          </a:p>
-          <a:p>
-            <a:r>
-              <a:rPr lang="en-GB" dirty="0"/>
-              <a:t>Add to Basket Button: Stands out for clear visibility, encouraging easy purchasing.</a:t>
-            </a:r>
-          </a:p>
-        </p:txBody>
-      </p:sp>
-    </p:spTree>
-    <p:extLst>
-      <p:ext uri="{BB962C8B-B14F-4D97-AF65-F5344CB8AC3E}">
-        <p14:creationId xmlns:p14="http://schemas.microsoft.com/office/powerpoint/2010/main" val="4084590639"/>
-      </p:ext>
-    </p:extLst>
-  </p:cSld>
-  <p:clrMapOvr>
-    <a:masterClrMapping/>
-  </p:clrMapOvr>
-</p:sld>
-</file>
-
-<file path=ppt/slides/slide9.xml><?xml version="1.0" encoding="utf-8"?>
-<p:sld xmlns:a="http://schemas.openxmlformats.org/drawingml/2006/main" xmlns:r="http://schemas.openxmlformats.org/officeDocument/2006/relationships" xmlns:p="http://schemas.openxmlformats.org/presentationml/2006/main">
-  <p:cSld>
-    <p:spTree>
-      <p:nvGrpSpPr>
-        <p:cNvPr id="1" name=""/>
-        <p:cNvGrpSpPr/>
-        <p:nvPr/>
-      </p:nvGrpSpPr>
-      <p:grpSpPr>
-        <a:xfrm>
-          <a:off x="0" y="0"/>
-          <a:ext cx="0" cy="0"/>
-          <a:chOff x="0" y="0"/>
-          <a:chExt cx="0" cy="0"/>
-        </a:xfrm>
-      </p:grpSpPr>
-      <p:sp>
-        <p:nvSpPr>
-          <p:cNvPr id="2" name="Title 1">
-            <a:extLst>
-              <a:ext uri="{FF2B5EF4-FFF2-40B4-BE49-F238E27FC236}">
-                <a16:creationId xmlns:a16="http://schemas.microsoft.com/office/drawing/2014/main" id="{070DFC5C-A13C-A0D8-047F-A74D3A3C4EFB}"/>
-              </a:ext>
-            </a:extLst>
-          </p:cNvPr>
-          <p:cNvSpPr>
-            <a:spLocks noGrp="1"/>
-          </p:cNvSpPr>
-          <p:nvPr>
-            <p:ph type="title"/>
-          </p:nvPr>
-        </p:nvSpPr>
-        <p:spPr/>
-        <p:txBody>
-          <a:bodyPr/>
-          <a:lstStyle/>
-          <a:p>
-            <a:r>
-              <a:rPr lang="en-GB" dirty="0"/>
-              <a:t>Cart</a:t>
-            </a:r>
-          </a:p>
-        </p:txBody>
-      </p:sp>
-      <p:pic>
-        <p:nvPicPr>
-          <p:cNvPr id="5" name="Content Placeholder 4">
-            <a:extLst>
-              <a:ext uri="{FF2B5EF4-FFF2-40B4-BE49-F238E27FC236}">
-                <a16:creationId xmlns:a16="http://schemas.microsoft.com/office/drawing/2014/main" id="{BF5A991B-90BD-C5D9-F5A9-5A32127E3572}"/>
-              </a:ext>
-            </a:extLst>
-          </p:cNvPr>
-          <p:cNvPicPr>
-            <a:picLocks noGrp="1" noChangeAspect="1"/>
-          </p:cNvPicPr>
-          <p:nvPr>
-            <p:ph idx="1"/>
-          </p:nvPr>
-        </p:nvPicPr>
-        <p:blipFill>
-          <a:blip r:embed="rId3"/>
-          <a:stretch>
-            <a:fillRect/>
-          </a:stretch>
-        </p:blipFill>
-        <p:spPr>
-          <a:xfrm>
-            <a:off x="819377" y="3965441"/>
-            <a:ext cx="7615796" cy="2823492"/>
-          </a:xfrm>
-        </p:spPr>
-      </p:pic>
-      <p:sp>
-        <p:nvSpPr>
-          <p:cNvPr id="6" name="TextBox 5">
-            <a:extLst>
-              <a:ext uri="{FF2B5EF4-FFF2-40B4-BE49-F238E27FC236}">
-                <a16:creationId xmlns:a16="http://schemas.microsoft.com/office/drawing/2014/main" id="{2A044C05-746F-AA02-07D3-BA72A31F20BD}"/>
-              </a:ext>
-            </a:extLst>
-          </p:cNvPr>
-          <p:cNvSpPr txBox="1"/>
-          <p:nvPr/>
-        </p:nvSpPr>
-        <p:spPr>
-          <a:xfrm>
-            <a:off x="838200" y="1415143"/>
-            <a:ext cx="7596973" cy="2585323"/>
-          </a:xfrm>
-          <a:prstGeom prst="rect">
-            <a:avLst/>
-          </a:prstGeom>
-          <a:noFill/>
-        </p:spPr>
-        <p:txBody>
-          <a:bodyPr wrap="square" rtlCol="0">
-            <a:spAutoFit/>
-          </a:bodyPr>
-          <a:lstStyle/>
-          <a:p>
-            <a:r>
-              <a:rPr lang="en-GB" dirty="0"/>
-              <a:t>Table Layout for Clarity: Organizes product details like name, size, price, quantity, and total cost in a structured format.</a:t>
-            </a:r>
-          </a:p>
-          <a:p>
-            <a:r>
-              <a:rPr lang="en-GB" dirty="0"/>
-              <a:t>Quantity Adjustment: Allows users to modify the number of items directly within the cart.</a:t>
-            </a:r>
-          </a:p>
-          <a:p>
-            <a:r>
-              <a:rPr lang="en-GB" dirty="0"/>
-              <a:t>Remove Button: Ensures users can easily remove unwanted items.</a:t>
-            </a:r>
-          </a:p>
-          <a:p>
-            <a:r>
-              <a:rPr lang="en-GB" dirty="0"/>
-              <a:t>Total Price Display: Provides a clear summary of the total cost before checkout.</a:t>
-            </a:r>
-          </a:p>
-          <a:p>
-            <a:r>
-              <a:rPr lang="en-GB" dirty="0"/>
-              <a:t>Proceed to Checkout Button: Stands out for easy navigation to the next step.</a:t>
-            </a:r>
-          </a:p>
-        </p:txBody>
-      </p:sp>
-    </p:spTree>
-    <p:extLst>
-      <p:ext uri="{BB962C8B-B14F-4D97-AF65-F5344CB8AC3E}">
-        <p14:creationId xmlns:p14="http://schemas.microsoft.com/office/powerpoint/2010/main" val="3280548910"/>
       </p:ext>
     </p:extLst>
   </p:cSld>
